--- a/trunk/PromotingSoftwareReuseWithRAS/Desenhos.pptx
+++ b/trunk/PromotingSoftwareReuseWithRAS/Desenhos.pptx
@@ -8,6 +8,7 @@
     <p:sldId id="256" r:id="rId2"/>
     <p:sldId id="257" r:id="rId3"/>
     <p:sldId id="258" r:id="rId4"/>
+    <p:sldId id="259" r:id="rId5"/>
   </p:sldIdLst>
   <p:sldSz cx="9144000" cy="6858000" type="screen4x3"/>
   <p:notesSz cx="6858000" cy="9144000"/>
@@ -2103,7 +2104,7 @@
   <dgm:whole/>
   <dgm:extLst>
     <a:ext uri="http://schemas.microsoft.com/office/drawing/2008/diagram">
-      <dsp:dataModelExt xmlns:dsp="http://schemas.microsoft.com/office/drawing/2008/diagram" xmlns="" relId="rId6" minVer="http://schemas.openxmlformats.org/drawingml/2006/diagram"/>
+      <dsp:dataModelExt xmlns="" xmlns:dsp="http://schemas.microsoft.com/office/drawing/2008/diagram" relId="rId6" minVer="http://schemas.openxmlformats.org/drawingml/2006/diagram"/>
     </a:ext>
   </dgm:extLst>
 </dgm:dataModel>
@@ -2353,7 +2354,7 @@
   <dgm:whole/>
   <dgm:extLst>
     <a:ext uri="http://schemas.microsoft.com/office/drawing/2008/diagram">
-      <dsp:dataModelExt xmlns:dsp="http://schemas.microsoft.com/office/drawing/2008/diagram" xmlns="" relId="rId11" minVer="http://schemas.openxmlformats.org/drawingml/2006/diagram"/>
+      <dsp:dataModelExt xmlns="" xmlns:dsp="http://schemas.microsoft.com/office/drawing/2008/diagram" relId="rId11" minVer="http://schemas.openxmlformats.org/drawingml/2006/diagram"/>
     </a:ext>
   </dgm:extLst>
 </dgm:dataModel>
@@ -5783,7 +5784,7 @@
             <a:fld id="{A7B42A40-B707-4983-807D-17011D490F87}" type="datetimeFigureOut">
               <a:rPr lang="pt-BR" smtClean="0"/>
               <a:pPr/>
-              <a:t>21/06/2009</a:t>
+              <a:t>22/06/2009</a:t>
             </a:fld>
             <a:endParaRPr lang="pt-BR"/>
           </a:p>
@@ -5826,7 +5827,7 @@
             <a:fld id="{E545FD62-2F7E-4843-A4AD-0212DEDA2940}" type="slidenum">
               <a:rPr lang="pt-BR" smtClean="0"/>
               <a:pPr/>
-              <a:t>‹nº›</a:t>
+              <a:t>‹#›</a:t>
             </a:fld>
             <a:endParaRPr lang="pt-BR"/>
           </a:p>
@@ -5950,7 +5951,7 @@
             <a:fld id="{A7B42A40-B707-4983-807D-17011D490F87}" type="datetimeFigureOut">
               <a:rPr lang="pt-BR" smtClean="0"/>
               <a:pPr/>
-              <a:t>21/06/2009</a:t>
+              <a:t>22/06/2009</a:t>
             </a:fld>
             <a:endParaRPr lang="pt-BR"/>
           </a:p>
@@ -5993,7 +5994,7 @@
             <a:fld id="{E545FD62-2F7E-4843-A4AD-0212DEDA2940}" type="slidenum">
               <a:rPr lang="pt-BR" smtClean="0"/>
               <a:pPr/>
-              <a:t>‹nº›</a:t>
+              <a:t>‹#›</a:t>
             </a:fld>
             <a:endParaRPr lang="pt-BR"/>
           </a:p>
@@ -6127,7 +6128,7 @@
             <a:fld id="{A7B42A40-B707-4983-807D-17011D490F87}" type="datetimeFigureOut">
               <a:rPr lang="pt-BR" smtClean="0"/>
               <a:pPr/>
-              <a:t>21/06/2009</a:t>
+              <a:t>22/06/2009</a:t>
             </a:fld>
             <a:endParaRPr lang="pt-BR"/>
           </a:p>
@@ -6170,7 +6171,7 @@
             <a:fld id="{E545FD62-2F7E-4843-A4AD-0212DEDA2940}" type="slidenum">
               <a:rPr lang="pt-BR" smtClean="0"/>
               <a:pPr/>
-              <a:t>‹nº›</a:t>
+              <a:t>‹#›</a:t>
             </a:fld>
             <a:endParaRPr lang="pt-BR"/>
           </a:p>
@@ -6294,7 +6295,7 @@
             <a:fld id="{A7B42A40-B707-4983-807D-17011D490F87}" type="datetimeFigureOut">
               <a:rPr lang="pt-BR" smtClean="0"/>
               <a:pPr/>
-              <a:t>21/06/2009</a:t>
+              <a:t>22/06/2009</a:t>
             </a:fld>
             <a:endParaRPr lang="pt-BR"/>
           </a:p>
@@ -6337,7 +6338,7 @@
             <a:fld id="{E545FD62-2F7E-4843-A4AD-0212DEDA2940}" type="slidenum">
               <a:rPr lang="pt-BR" smtClean="0"/>
               <a:pPr/>
-              <a:t>‹nº›</a:t>
+              <a:t>‹#›</a:t>
             </a:fld>
             <a:endParaRPr lang="pt-BR"/>
           </a:p>
@@ -6537,7 +6538,7 @@
             <a:fld id="{A7B42A40-B707-4983-807D-17011D490F87}" type="datetimeFigureOut">
               <a:rPr lang="pt-BR" smtClean="0"/>
               <a:pPr/>
-              <a:t>21/06/2009</a:t>
+              <a:t>22/06/2009</a:t>
             </a:fld>
             <a:endParaRPr lang="pt-BR"/>
           </a:p>
@@ -6580,7 +6581,7 @@
             <a:fld id="{E545FD62-2F7E-4843-A4AD-0212DEDA2940}" type="slidenum">
               <a:rPr lang="pt-BR" smtClean="0"/>
               <a:pPr/>
-              <a:t>‹nº›</a:t>
+              <a:t>‹#›</a:t>
             </a:fld>
             <a:endParaRPr lang="pt-BR"/>
           </a:p>
@@ -6822,7 +6823,7 @@
             <a:fld id="{A7B42A40-B707-4983-807D-17011D490F87}" type="datetimeFigureOut">
               <a:rPr lang="pt-BR" smtClean="0"/>
               <a:pPr/>
-              <a:t>21/06/2009</a:t>
+              <a:t>22/06/2009</a:t>
             </a:fld>
             <a:endParaRPr lang="pt-BR"/>
           </a:p>
@@ -6865,7 +6866,7 @@
             <a:fld id="{E545FD62-2F7E-4843-A4AD-0212DEDA2940}" type="slidenum">
               <a:rPr lang="pt-BR" smtClean="0"/>
               <a:pPr/>
-              <a:t>‹nº›</a:t>
+              <a:t>‹#›</a:t>
             </a:fld>
             <a:endParaRPr lang="pt-BR"/>
           </a:p>
@@ -7241,7 +7242,7 @@
             <a:fld id="{A7B42A40-B707-4983-807D-17011D490F87}" type="datetimeFigureOut">
               <a:rPr lang="pt-BR" smtClean="0"/>
               <a:pPr/>
-              <a:t>21/06/2009</a:t>
+              <a:t>22/06/2009</a:t>
             </a:fld>
             <a:endParaRPr lang="pt-BR"/>
           </a:p>
@@ -7284,7 +7285,7 @@
             <a:fld id="{E545FD62-2F7E-4843-A4AD-0212DEDA2940}" type="slidenum">
               <a:rPr lang="pt-BR" smtClean="0"/>
               <a:pPr/>
-              <a:t>‹nº›</a:t>
+              <a:t>‹#›</a:t>
             </a:fld>
             <a:endParaRPr lang="pt-BR"/>
           </a:p>
@@ -7356,7 +7357,7 @@
             <a:fld id="{A7B42A40-B707-4983-807D-17011D490F87}" type="datetimeFigureOut">
               <a:rPr lang="pt-BR" smtClean="0"/>
               <a:pPr/>
-              <a:t>21/06/2009</a:t>
+              <a:t>22/06/2009</a:t>
             </a:fld>
             <a:endParaRPr lang="pt-BR"/>
           </a:p>
@@ -7399,7 +7400,7 @@
             <a:fld id="{E545FD62-2F7E-4843-A4AD-0212DEDA2940}" type="slidenum">
               <a:rPr lang="pt-BR" smtClean="0"/>
               <a:pPr/>
-              <a:t>‹nº›</a:t>
+              <a:t>‹#›</a:t>
             </a:fld>
             <a:endParaRPr lang="pt-BR"/>
           </a:p>
@@ -7448,7 +7449,7 @@
             <a:fld id="{A7B42A40-B707-4983-807D-17011D490F87}" type="datetimeFigureOut">
               <a:rPr lang="pt-BR" smtClean="0"/>
               <a:pPr/>
-              <a:t>21/06/2009</a:t>
+              <a:t>22/06/2009</a:t>
             </a:fld>
             <a:endParaRPr lang="pt-BR"/>
           </a:p>
@@ -7491,7 +7492,7 @@
             <a:fld id="{E545FD62-2F7E-4843-A4AD-0212DEDA2940}" type="slidenum">
               <a:rPr lang="pt-BR" smtClean="0"/>
               <a:pPr/>
-              <a:t>‹nº›</a:t>
+              <a:t>‹#›</a:t>
             </a:fld>
             <a:endParaRPr lang="pt-BR"/>
           </a:p>
@@ -7722,7 +7723,7 @@
             <a:fld id="{A7B42A40-B707-4983-807D-17011D490F87}" type="datetimeFigureOut">
               <a:rPr lang="pt-BR" smtClean="0"/>
               <a:pPr/>
-              <a:t>21/06/2009</a:t>
+              <a:t>22/06/2009</a:t>
             </a:fld>
             <a:endParaRPr lang="pt-BR"/>
           </a:p>
@@ -7765,7 +7766,7 @@
             <a:fld id="{E545FD62-2F7E-4843-A4AD-0212DEDA2940}" type="slidenum">
               <a:rPr lang="pt-BR" smtClean="0"/>
               <a:pPr/>
-              <a:t>‹nº›</a:t>
+              <a:t>‹#›</a:t>
             </a:fld>
             <a:endParaRPr lang="pt-BR"/>
           </a:p>
@@ -7972,7 +7973,7 @@
             <a:fld id="{A7B42A40-B707-4983-807D-17011D490F87}" type="datetimeFigureOut">
               <a:rPr lang="pt-BR" smtClean="0"/>
               <a:pPr/>
-              <a:t>21/06/2009</a:t>
+              <a:t>22/06/2009</a:t>
             </a:fld>
             <a:endParaRPr lang="pt-BR"/>
           </a:p>
@@ -8015,7 +8016,7 @@
             <a:fld id="{E545FD62-2F7E-4843-A4AD-0212DEDA2940}" type="slidenum">
               <a:rPr lang="pt-BR" smtClean="0"/>
               <a:pPr/>
-              <a:t>‹nº›</a:t>
+              <a:t>‹#›</a:t>
             </a:fld>
             <a:endParaRPr lang="pt-BR"/>
           </a:p>
@@ -8182,7 +8183,7 @@
             <a:fld id="{A7B42A40-B707-4983-807D-17011D490F87}" type="datetimeFigureOut">
               <a:rPr lang="pt-BR" smtClean="0"/>
               <a:pPr/>
-              <a:t>21/06/2009</a:t>
+              <a:t>22/06/2009</a:t>
             </a:fld>
             <a:endParaRPr lang="pt-BR"/>
           </a:p>
@@ -8261,7 +8262,7 @@
             <a:fld id="{E545FD62-2F7E-4843-A4AD-0212DEDA2940}" type="slidenum">
               <a:rPr lang="pt-BR" smtClean="0"/>
               <a:pPr/>
-              <a:t>‹nº›</a:t>
+              <a:t>‹#›</a:t>
             </a:fld>
             <a:endParaRPr lang="pt-BR"/>
           </a:p>
@@ -8681,7 +8682,7 @@
         </p:xfrm>
         <a:graphic>
           <a:graphicData uri="http://schemas.openxmlformats.org/drawingml/2006/diagram">
-            <dgm:relIds xmlns:dgm="http://schemas.openxmlformats.org/drawingml/2006/diagram" xmlns:r="http://schemas.openxmlformats.org/officeDocument/2006/relationships" r:dm="rId7" r:lo="rId8" r:qs="rId9" r:cs="rId10"/>
+            <dgm:relIds xmlns:dgm="http://schemas.openxmlformats.org/drawingml/2006/diagram" xmlns:r="http://schemas.openxmlformats.org/officeDocument/2006/relationships" r:dm="rId6" r:lo="rId7" r:qs="rId8" r:cs="rId9"/>
           </a:graphicData>
         </a:graphic>
       </p:graphicFrame>
@@ -9970,6 +9971,409 @@
 </p:sld>
 </file>
 
+<file path=ppt/slides/slide4.xml><?xml version="1.0" encoding="utf-8"?>
+<p:sld xmlns:a="http://schemas.openxmlformats.org/drawingml/2006/main" xmlns:r="http://schemas.openxmlformats.org/officeDocument/2006/relationships" xmlns:p="http://schemas.openxmlformats.org/presentationml/2006/main">
+  <p:cSld>
+    <p:spTree>
+      <p:nvGrpSpPr>
+        <p:cNvPr id="1" name=""/>
+        <p:cNvGrpSpPr/>
+        <p:nvPr/>
+      </p:nvGrpSpPr>
+      <p:grpSpPr>
+        <a:xfrm>
+          <a:off x="0" y="0"/>
+          <a:ext cx="0" cy="0"/>
+          <a:chOff x="0" y="0"/>
+          <a:chExt cx="0" cy="0"/>
+        </a:xfrm>
+      </p:grpSpPr>
+      <p:sp>
+        <p:nvSpPr>
+          <p:cNvPr id="2" name="Rounded Rectangle 1"/>
+          <p:cNvSpPr/>
+          <p:nvPr/>
+        </p:nvSpPr>
+        <p:spPr>
+          <a:xfrm flipH="1">
+            <a:off x="1190621" y="1805940"/>
+            <a:ext cx="6648453" cy="755904"/>
+          </a:xfrm>
+          <a:prstGeom prst="roundRect">
+            <a:avLst/>
+          </a:prstGeom>
+        </p:spPr>
+        <p:style>
+          <a:lnRef idx="0">
+            <a:schemeClr val="accent1"/>
+          </a:lnRef>
+          <a:fillRef idx="3">
+            <a:schemeClr val="accent1"/>
+          </a:fillRef>
+          <a:effectRef idx="3">
+            <a:schemeClr val="accent1"/>
+          </a:effectRef>
+          <a:fontRef idx="minor">
+            <a:schemeClr val="lt1"/>
+          </a:fontRef>
+        </p:style>
+        <p:txBody>
+          <a:bodyPr rtlCol="0" anchor="ctr"/>
+          <a:lstStyle/>
+          <a:p>
+            <a:pPr algn="ctr"/>
+            <a:r>
+              <a:rPr lang="pt-BR" dirty="0" smtClean="0"/>
+              <a:t>Archiva</a:t>
+            </a:r>
+            <a:endParaRPr lang="pt-BR" dirty="0"/>
+          </a:p>
+        </p:txBody>
+      </p:sp>
+      <p:sp>
+        <p:nvSpPr>
+          <p:cNvPr id="5" name="Rounded Rectangle 4"/>
+          <p:cNvSpPr/>
+          <p:nvPr/>
+        </p:nvSpPr>
+        <p:spPr>
+          <a:xfrm>
+            <a:off x="6021705" y="2622613"/>
+            <a:ext cx="1827096" cy="1440000"/>
+          </a:xfrm>
+          <a:prstGeom prst="roundRect">
+            <a:avLst/>
+          </a:prstGeom>
+        </p:spPr>
+        <p:style>
+          <a:lnRef idx="0">
+            <a:schemeClr val="accent3"/>
+          </a:lnRef>
+          <a:fillRef idx="3">
+            <a:schemeClr val="accent3"/>
+          </a:fillRef>
+          <a:effectRef idx="3">
+            <a:schemeClr val="accent3"/>
+          </a:effectRef>
+          <a:fontRef idx="minor">
+            <a:schemeClr val="lt1"/>
+          </a:fontRef>
+        </p:style>
+        <p:txBody>
+          <a:bodyPr rtlCol="0" anchor="ctr"/>
+          <a:lstStyle/>
+          <a:p>
+            <a:pPr algn="ctr"/>
+            <a:r>
+              <a:rPr lang="pt-BR" dirty="0" smtClean="0"/>
+              <a:t>Consumidor de Conteúdo de Repositório</a:t>
+            </a:r>
+            <a:endParaRPr lang="pt-BR" dirty="0"/>
+          </a:p>
+        </p:txBody>
+      </p:sp>
+      <p:sp>
+        <p:nvSpPr>
+          <p:cNvPr id="3" name="Flowchart: Magnetic Disk 2"/>
+          <p:cNvSpPr/>
+          <p:nvPr/>
+        </p:nvSpPr>
+        <p:spPr>
+          <a:xfrm>
+            <a:off x="2916936" y="2622613"/>
+            <a:ext cx="1440000" cy="1440000"/>
+          </a:xfrm>
+          <a:prstGeom prst="flowChartMagneticDisk">
+            <a:avLst/>
+          </a:prstGeom>
+        </p:spPr>
+        <p:style>
+          <a:lnRef idx="0">
+            <a:schemeClr val="accent3"/>
+          </a:lnRef>
+          <a:fillRef idx="3">
+            <a:schemeClr val="accent3"/>
+          </a:fillRef>
+          <a:effectRef idx="3">
+            <a:schemeClr val="accent3"/>
+          </a:effectRef>
+          <a:fontRef idx="minor">
+            <a:schemeClr val="lt1"/>
+          </a:fontRef>
+        </p:style>
+        <p:txBody>
+          <a:bodyPr rtlCol="0" anchor="ctr"/>
+          <a:lstStyle/>
+          <a:p>
+            <a:pPr algn="ctr"/>
+            <a:r>
+              <a:rPr lang="pt-BR" dirty="0" smtClean="0"/>
+              <a:t>Repositório</a:t>
+            </a:r>
+            <a:endParaRPr lang="pt-BR" dirty="0"/>
+          </a:p>
+        </p:txBody>
+      </p:sp>
+      <p:sp>
+        <p:nvSpPr>
+          <p:cNvPr id="8" name="Striped Right Arrow 7"/>
+          <p:cNvSpPr/>
+          <p:nvPr/>
+        </p:nvSpPr>
+        <p:spPr>
+          <a:xfrm>
+            <a:off x="1256538" y="2818357"/>
+            <a:ext cx="1609344" cy="1048512"/>
+          </a:xfrm>
+          <a:prstGeom prst="stripedRightArrow">
+            <a:avLst/>
+          </a:prstGeom>
+        </p:spPr>
+        <p:style>
+          <a:lnRef idx="0">
+            <a:schemeClr val="accent3"/>
+          </a:lnRef>
+          <a:fillRef idx="3">
+            <a:schemeClr val="accent3"/>
+          </a:fillRef>
+          <a:effectRef idx="3">
+            <a:schemeClr val="accent3"/>
+          </a:effectRef>
+          <a:fontRef idx="minor">
+            <a:schemeClr val="lt1"/>
+          </a:fontRef>
+        </p:style>
+        <p:txBody>
+          <a:bodyPr rtlCol="0" anchor="ctr"/>
+          <a:lstStyle/>
+          <a:p>
+            <a:pPr algn="ctr"/>
+            <a:r>
+              <a:rPr lang="pt-BR" dirty="0" smtClean="0"/>
+              <a:t>Varredura</a:t>
+            </a:r>
+            <a:endParaRPr lang="pt-BR" dirty="0"/>
+          </a:p>
+        </p:txBody>
+      </p:sp>
+      <p:sp>
+        <p:nvSpPr>
+          <p:cNvPr id="11" name="Right Arrow 10"/>
+          <p:cNvSpPr/>
+          <p:nvPr/>
+        </p:nvSpPr>
+        <p:spPr>
+          <a:xfrm>
+            <a:off x="4448175" y="2817595"/>
+            <a:ext cx="1475232" cy="1050036"/>
+          </a:xfrm>
+          <a:prstGeom prst="rightArrow">
+            <a:avLst/>
+          </a:prstGeom>
+        </p:spPr>
+        <p:style>
+          <a:lnRef idx="0">
+            <a:schemeClr val="accent3"/>
+          </a:lnRef>
+          <a:fillRef idx="3">
+            <a:schemeClr val="accent3"/>
+          </a:fillRef>
+          <a:effectRef idx="3">
+            <a:schemeClr val="accent3"/>
+          </a:effectRef>
+          <a:fontRef idx="minor">
+            <a:schemeClr val="lt1"/>
+          </a:fontRef>
+        </p:style>
+        <p:txBody>
+          <a:bodyPr rtlCol="0" anchor="ctr"/>
+          <a:lstStyle/>
+          <a:p>
+            <a:pPr algn="ctr"/>
+            <a:r>
+              <a:rPr lang="pt-BR" dirty="0" smtClean="0"/>
+              <a:t>Artefato</a:t>
+            </a:r>
+            <a:endParaRPr lang="pt-BR" dirty="0"/>
+          </a:p>
+        </p:txBody>
+      </p:sp>
+      <p:sp>
+        <p:nvSpPr>
+          <p:cNvPr id="13" name="Rounded Rectangle 12"/>
+          <p:cNvSpPr/>
+          <p:nvPr/>
+        </p:nvSpPr>
+        <p:spPr>
+          <a:xfrm>
+            <a:off x="6021705" y="4118038"/>
+            <a:ext cx="1827096" cy="1440000"/>
+          </a:xfrm>
+          <a:prstGeom prst="roundRect">
+            <a:avLst/>
+          </a:prstGeom>
+        </p:spPr>
+        <p:style>
+          <a:lnRef idx="0">
+            <a:schemeClr val="accent2"/>
+          </a:lnRef>
+          <a:fillRef idx="3">
+            <a:schemeClr val="accent2"/>
+          </a:fillRef>
+          <a:effectRef idx="3">
+            <a:schemeClr val="accent2"/>
+          </a:effectRef>
+          <a:fontRef idx="minor">
+            <a:schemeClr val="lt1"/>
+          </a:fontRef>
+        </p:style>
+        <p:txBody>
+          <a:bodyPr rtlCol="0" anchor="ctr"/>
+          <a:lstStyle/>
+          <a:p>
+            <a:pPr algn="ctr"/>
+            <a:r>
+              <a:rPr lang="pt-BR" dirty="0" smtClean="0"/>
+              <a:t>Consumidor de Base de Dados</a:t>
+            </a:r>
+            <a:endParaRPr lang="pt-BR" dirty="0"/>
+          </a:p>
+        </p:txBody>
+      </p:sp>
+      <p:sp>
+        <p:nvSpPr>
+          <p:cNvPr id="14" name="Flowchart: Magnetic Disk 13"/>
+          <p:cNvSpPr/>
+          <p:nvPr/>
+        </p:nvSpPr>
+        <p:spPr>
+          <a:xfrm>
+            <a:off x="2916936" y="4118038"/>
+            <a:ext cx="1440000" cy="1440000"/>
+          </a:xfrm>
+          <a:prstGeom prst="flowChartMagneticDisk">
+            <a:avLst/>
+          </a:prstGeom>
+        </p:spPr>
+        <p:style>
+          <a:lnRef idx="0">
+            <a:schemeClr val="accent2"/>
+          </a:lnRef>
+          <a:fillRef idx="3">
+            <a:schemeClr val="accent2"/>
+          </a:fillRef>
+          <a:effectRef idx="3">
+            <a:schemeClr val="accent2"/>
+          </a:effectRef>
+          <a:fontRef idx="minor">
+            <a:schemeClr val="lt1"/>
+          </a:fontRef>
+        </p:style>
+        <p:txBody>
+          <a:bodyPr rtlCol="0" anchor="ctr"/>
+          <a:lstStyle/>
+          <a:p>
+            <a:pPr algn="ctr"/>
+            <a:r>
+              <a:rPr lang="pt-BR" dirty="0" smtClean="0"/>
+              <a:t>Base de Dados</a:t>
+            </a:r>
+            <a:endParaRPr lang="pt-BR" dirty="0"/>
+          </a:p>
+        </p:txBody>
+      </p:sp>
+      <p:sp>
+        <p:nvSpPr>
+          <p:cNvPr id="15" name="Striped Right Arrow 14"/>
+          <p:cNvSpPr/>
+          <p:nvPr/>
+        </p:nvSpPr>
+        <p:spPr>
+          <a:xfrm>
+            <a:off x="1256538" y="4313782"/>
+            <a:ext cx="1609344" cy="1048512"/>
+          </a:xfrm>
+          <a:prstGeom prst="stripedRightArrow">
+            <a:avLst/>
+          </a:prstGeom>
+        </p:spPr>
+        <p:style>
+          <a:lnRef idx="0">
+            <a:schemeClr val="accent2"/>
+          </a:lnRef>
+          <a:fillRef idx="3">
+            <a:schemeClr val="accent2"/>
+          </a:fillRef>
+          <a:effectRef idx="3">
+            <a:schemeClr val="accent2"/>
+          </a:effectRef>
+          <a:fontRef idx="minor">
+            <a:schemeClr val="lt1"/>
+          </a:fontRef>
+        </p:style>
+        <p:txBody>
+          <a:bodyPr rtlCol="0" anchor="ctr"/>
+          <a:lstStyle/>
+          <a:p>
+            <a:pPr algn="ctr"/>
+            <a:r>
+              <a:rPr lang="pt-BR" dirty="0" smtClean="0"/>
+              <a:t>Varredura</a:t>
+            </a:r>
+            <a:endParaRPr lang="pt-BR" dirty="0"/>
+          </a:p>
+        </p:txBody>
+      </p:sp>
+      <p:sp>
+        <p:nvSpPr>
+          <p:cNvPr id="16" name="Right Arrow 15"/>
+          <p:cNvSpPr/>
+          <p:nvPr/>
+        </p:nvSpPr>
+        <p:spPr>
+          <a:xfrm>
+            <a:off x="4448175" y="4313020"/>
+            <a:ext cx="1475232" cy="1050036"/>
+          </a:xfrm>
+          <a:prstGeom prst="rightArrow">
+            <a:avLst/>
+          </a:prstGeom>
+        </p:spPr>
+        <p:style>
+          <a:lnRef idx="0">
+            <a:schemeClr val="accent2"/>
+          </a:lnRef>
+          <a:fillRef idx="3">
+            <a:schemeClr val="accent2"/>
+          </a:fillRef>
+          <a:effectRef idx="3">
+            <a:schemeClr val="accent2"/>
+          </a:effectRef>
+          <a:fontRef idx="minor">
+            <a:schemeClr val="lt1"/>
+          </a:fontRef>
+        </p:style>
+        <p:txBody>
+          <a:bodyPr rtlCol="0" anchor="ctr"/>
+          <a:lstStyle/>
+          <a:p>
+            <a:pPr algn="ctr"/>
+            <a:r>
+              <a:rPr lang="pt-BR" dirty="0" smtClean="0"/>
+              <a:t>Artefato</a:t>
+            </a:r>
+            <a:endParaRPr lang="pt-BR" dirty="0"/>
+          </a:p>
+        </p:txBody>
+      </p:sp>
+    </p:spTree>
+  </p:cSld>
+  <p:clrMapOvr>
+    <a:masterClrMapping/>
+  </p:clrMapOvr>
+</p:sld>
+</file>
+
 <file path=ppt/theme/theme1.xml><?xml version="1.0" encoding="utf-8"?>
 <a:theme xmlns:a="http://schemas.openxmlformats.org/drawingml/2006/main" name="Tema do Office">
   <a:themeElements>

--- a/trunk/PromotingSoftwareReuseWithRAS/Desenhos.pptx
+++ b/trunk/PromotingSoftwareReuseWithRAS/Desenhos.pptx
@@ -2104,7 +2104,7 @@
   <dgm:whole/>
   <dgm:extLst>
     <a:ext uri="http://schemas.microsoft.com/office/drawing/2008/diagram">
-      <dsp:dataModelExt xmlns="" xmlns:dsp="http://schemas.microsoft.com/office/drawing/2008/diagram" relId="rId6" minVer="http://schemas.openxmlformats.org/drawingml/2006/diagram"/>
+      <dsp:dataModelExt xmlns:dsp="http://schemas.microsoft.com/office/drawing/2008/diagram" xmlns="" relId="rId6" minVer="http://schemas.openxmlformats.org/drawingml/2006/diagram"/>
     </a:ext>
   </dgm:extLst>
 </dgm:dataModel>
@@ -2354,7 +2354,7 @@
   <dgm:whole/>
   <dgm:extLst>
     <a:ext uri="http://schemas.microsoft.com/office/drawing/2008/diagram">
-      <dsp:dataModelExt xmlns="" xmlns:dsp="http://schemas.microsoft.com/office/drawing/2008/diagram" relId="rId11" minVer="http://schemas.openxmlformats.org/drawingml/2006/diagram"/>
+      <dsp:dataModelExt xmlns:dsp="http://schemas.microsoft.com/office/drawing/2008/diagram" xmlns="" relId="rId11" minVer="http://schemas.openxmlformats.org/drawingml/2006/diagram"/>
     </a:ext>
   </dgm:extLst>
 </dgm:dataModel>
@@ -5784,7 +5784,7 @@
             <a:fld id="{A7B42A40-B707-4983-807D-17011D490F87}" type="datetimeFigureOut">
               <a:rPr lang="pt-BR" smtClean="0"/>
               <a:pPr/>
-              <a:t>22/06/2009</a:t>
+              <a:t>30/06/2009</a:t>
             </a:fld>
             <a:endParaRPr lang="pt-BR"/>
           </a:p>
@@ -5827,7 +5827,7 @@
             <a:fld id="{E545FD62-2F7E-4843-A4AD-0212DEDA2940}" type="slidenum">
               <a:rPr lang="pt-BR" smtClean="0"/>
               <a:pPr/>
-              <a:t>‹#›</a:t>
+              <a:t>‹nº›</a:t>
             </a:fld>
             <a:endParaRPr lang="pt-BR"/>
           </a:p>
@@ -5951,7 +5951,7 @@
             <a:fld id="{A7B42A40-B707-4983-807D-17011D490F87}" type="datetimeFigureOut">
               <a:rPr lang="pt-BR" smtClean="0"/>
               <a:pPr/>
-              <a:t>22/06/2009</a:t>
+              <a:t>30/06/2009</a:t>
             </a:fld>
             <a:endParaRPr lang="pt-BR"/>
           </a:p>
@@ -5994,7 +5994,7 @@
             <a:fld id="{E545FD62-2F7E-4843-A4AD-0212DEDA2940}" type="slidenum">
               <a:rPr lang="pt-BR" smtClean="0"/>
               <a:pPr/>
-              <a:t>‹#›</a:t>
+              <a:t>‹nº›</a:t>
             </a:fld>
             <a:endParaRPr lang="pt-BR"/>
           </a:p>
@@ -6128,7 +6128,7 @@
             <a:fld id="{A7B42A40-B707-4983-807D-17011D490F87}" type="datetimeFigureOut">
               <a:rPr lang="pt-BR" smtClean="0"/>
               <a:pPr/>
-              <a:t>22/06/2009</a:t>
+              <a:t>30/06/2009</a:t>
             </a:fld>
             <a:endParaRPr lang="pt-BR"/>
           </a:p>
@@ -6171,7 +6171,7 @@
             <a:fld id="{E545FD62-2F7E-4843-A4AD-0212DEDA2940}" type="slidenum">
               <a:rPr lang="pt-BR" smtClean="0"/>
               <a:pPr/>
-              <a:t>‹#›</a:t>
+              <a:t>‹nº›</a:t>
             </a:fld>
             <a:endParaRPr lang="pt-BR"/>
           </a:p>
@@ -6295,7 +6295,7 @@
             <a:fld id="{A7B42A40-B707-4983-807D-17011D490F87}" type="datetimeFigureOut">
               <a:rPr lang="pt-BR" smtClean="0"/>
               <a:pPr/>
-              <a:t>22/06/2009</a:t>
+              <a:t>30/06/2009</a:t>
             </a:fld>
             <a:endParaRPr lang="pt-BR"/>
           </a:p>
@@ -6338,7 +6338,7 @@
             <a:fld id="{E545FD62-2F7E-4843-A4AD-0212DEDA2940}" type="slidenum">
               <a:rPr lang="pt-BR" smtClean="0"/>
               <a:pPr/>
-              <a:t>‹#›</a:t>
+              <a:t>‹nº›</a:t>
             </a:fld>
             <a:endParaRPr lang="pt-BR"/>
           </a:p>
@@ -6538,7 +6538,7 @@
             <a:fld id="{A7B42A40-B707-4983-807D-17011D490F87}" type="datetimeFigureOut">
               <a:rPr lang="pt-BR" smtClean="0"/>
               <a:pPr/>
-              <a:t>22/06/2009</a:t>
+              <a:t>30/06/2009</a:t>
             </a:fld>
             <a:endParaRPr lang="pt-BR"/>
           </a:p>
@@ -6581,7 +6581,7 @@
             <a:fld id="{E545FD62-2F7E-4843-A4AD-0212DEDA2940}" type="slidenum">
               <a:rPr lang="pt-BR" smtClean="0"/>
               <a:pPr/>
-              <a:t>‹#›</a:t>
+              <a:t>‹nº›</a:t>
             </a:fld>
             <a:endParaRPr lang="pt-BR"/>
           </a:p>
@@ -6823,7 +6823,7 @@
             <a:fld id="{A7B42A40-B707-4983-807D-17011D490F87}" type="datetimeFigureOut">
               <a:rPr lang="pt-BR" smtClean="0"/>
               <a:pPr/>
-              <a:t>22/06/2009</a:t>
+              <a:t>30/06/2009</a:t>
             </a:fld>
             <a:endParaRPr lang="pt-BR"/>
           </a:p>
@@ -6866,7 +6866,7 @@
             <a:fld id="{E545FD62-2F7E-4843-A4AD-0212DEDA2940}" type="slidenum">
               <a:rPr lang="pt-BR" smtClean="0"/>
               <a:pPr/>
-              <a:t>‹#›</a:t>
+              <a:t>‹nº›</a:t>
             </a:fld>
             <a:endParaRPr lang="pt-BR"/>
           </a:p>
@@ -7242,7 +7242,7 @@
             <a:fld id="{A7B42A40-B707-4983-807D-17011D490F87}" type="datetimeFigureOut">
               <a:rPr lang="pt-BR" smtClean="0"/>
               <a:pPr/>
-              <a:t>22/06/2009</a:t>
+              <a:t>30/06/2009</a:t>
             </a:fld>
             <a:endParaRPr lang="pt-BR"/>
           </a:p>
@@ -7285,7 +7285,7 @@
             <a:fld id="{E545FD62-2F7E-4843-A4AD-0212DEDA2940}" type="slidenum">
               <a:rPr lang="pt-BR" smtClean="0"/>
               <a:pPr/>
-              <a:t>‹#›</a:t>
+              <a:t>‹nº›</a:t>
             </a:fld>
             <a:endParaRPr lang="pt-BR"/>
           </a:p>
@@ -7357,7 +7357,7 @@
             <a:fld id="{A7B42A40-B707-4983-807D-17011D490F87}" type="datetimeFigureOut">
               <a:rPr lang="pt-BR" smtClean="0"/>
               <a:pPr/>
-              <a:t>22/06/2009</a:t>
+              <a:t>30/06/2009</a:t>
             </a:fld>
             <a:endParaRPr lang="pt-BR"/>
           </a:p>
@@ -7400,7 +7400,7 @@
             <a:fld id="{E545FD62-2F7E-4843-A4AD-0212DEDA2940}" type="slidenum">
               <a:rPr lang="pt-BR" smtClean="0"/>
               <a:pPr/>
-              <a:t>‹#›</a:t>
+              <a:t>‹nº›</a:t>
             </a:fld>
             <a:endParaRPr lang="pt-BR"/>
           </a:p>
@@ -7449,7 +7449,7 @@
             <a:fld id="{A7B42A40-B707-4983-807D-17011D490F87}" type="datetimeFigureOut">
               <a:rPr lang="pt-BR" smtClean="0"/>
               <a:pPr/>
-              <a:t>22/06/2009</a:t>
+              <a:t>30/06/2009</a:t>
             </a:fld>
             <a:endParaRPr lang="pt-BR"/>
           </a:p>
@@ -7492,7 +7492,7 @@
             <a:fld id="{E545FD62-2F7E-4843-A4AD-0212DEDA2940}" type="slidenum">
               <a:rPr lang="pt-BR" smtClean="0"/>
               <a:pPr/>
-              <a:t>‹#›</a:t>
+              <a:t>‹nº›</a:t>
             </a:fld>
             <a:endParaRPr lang="pt-BR"/>
           </a:p>
@@ -7723,7 +7723,7 @@
             <a:fld id="{A7B42A40-B707-4983-807D-17011D490F87}" type="datetimeFigureOut">
               <a:rPr lang="pt-BR" smtClean="0"/>
               <a:pPr/>
-              <a:t>22/06/2009</a:t>
+              <a:t>30/06/2009</a:t>
             </a:fld>
             <a:endParaRPr lang="pt-BR"/>
           </a:p>
@@ -7766,7 +7766,7 @@
             <a:fld id="{E545FD62-2F7E-4843-A4AD-0212DEDA2940}" type="slidenum">
               <a:rPr lang="pt-BR" smtClean="0"/>
               <a:pPr/>
-              <a:t>‹#›</a:t>
+              <a:t>‹nº›</a:t>
             </a:fld>
             <a:endParaRPr lang="pt-BR"/>
           </a:p>
@@ -7973,7 +7973,7 @@
             <a:fld id="{A7B42A40-B707-4983-807D-17011D490F87}" type="datetimeFigureOut">
               <a:rPr lang="pt-BR" smtClean="0"/>
               <a:pPr/>
-              <a:t>22/06/2009</a:t>
+              <a:t>30/06/2009</a:t>
             </a:fld>
             <a:endParaRPr lang="pt-BR"/>
           </a:p>
@@ -8016,7 +8016,7 @@
             <a:fld id="{E545FD62-2F7E-4843-A4AD-0212DEDA2940}" type="slidenum">
               <a:rPr lang="pt-BR" smtClean="0"/>
               <a:pPr/>
-              <a:t>‹#›</a:t>
+              <a:t>‹nº›</a:t>
             </a:fld>
             <a:endParaRPr lang="pt-BR"/>
           </a:p>
@@ -8183,7 +8183,7 @@
             <a:fld id="{A7B42A40-B707-4983-807D-17011D490F87}" type="datetimeFigureOut">
               <a:rPr lang="pt-BR" smtClean="0"/>
               <a:pPr/>
-              <a:t>22/06/2009</a:t>
+              <a:t>30/06/2009</a:t>
             </a:fld>
             <a:endParaRPr lang="pt-BR"/>
           </a:p>
@@ -8262,7 +8262,7 @@
             <a:fld id="{E545FD62-2F7E-4843-A4AD-0212DEDA2940}" type="slidenum">
               <a:rPr lang="pt-BR" smtClean="0"/>
               <a:pPr/>
-              <a:t>‹#›</a:t>
+              <a:t>‹nº›</a:t>
             </a:fld>
             <a:endParaRPr lang="pt-BR"/>
           </a:p>
@@ -8682,7 +8682,7 @@
         </p:xfrm>
         <a:graphic>
           <a:graphicData uri="http://schemas.openxmlformats.org/drawingml/2006/diagram">
-            <dgm:relIds xmlns:dgm="http://schemas.openxmlformats.org/drawingml/2006/diagram" xmlns:r="http://schemas.openxmlformats.org/officeDocument/2006/relationships" r:dm="rId6" r:lo="rId7" r:qs="rId8" r:cs="rId9"/>
+            <dgm:relIds xmlns:dgm="http://schemas.openxmlformats.org/drawingml/2006/diagram" xmlns:r="http://schemas.openxmlformats.org/officeDocument/2006/relationships" r:dm="rId7" r:lo="rId8" r:qs="rId9" r:cs="rId10"/>
           </a:graphicData>
         </a:graphic>
       </p:graphicFrame>
@@ -9495,7 +9495,7 @@
         </p:nvSpPr>
         <p:spPr>
           <a:xfrm>
-            <a:off x="228576" y="2614608"/>
+            <a:off x="228576" y="2709858"/>
             <a:ext cx="3710008" cy="1447808"/>
           </a:xfrm>
           <a:prstGeom prst="rect">
@@ -9504,13 +9504,13 @@
         </p:spPr>
         <p:style>
           <a:lnRef idx="0">
-            <a:schemeClr val="accent1"/>
+            <a:schemeClr val="accent2"/>
           </a:lnRef>
           <a:fillRef idx="3">
-            <a:schemeClr val="accent1"/>
+            <a:schemeClr val="accent2"/>
           </a:fillRef>
           <a:effectRef idx="3">
-            <a:schemeClr val="accent1"/>
+            <a:schemeClr val="accent2"/>
           </a:effectRef>
           <a:fontRef idx="minor">
             <a:schemeClr val="lt1"/>
@@ -9544,7 +9544,7 @@
         </p:nvSpPr>
         <p:spPr>
           <a:xfrm>
-            <a:off x="4029072" y="2614608"/>
+            <a:off x="4029072" y="2709858"/>
             <a:ext cx="4795864" cy="1447808"/>
           </a:xfrm>
           <a:prstGeom prst="rect">
@@ -9602,13 +9602,13 @@
         </p:spPr>
         <p:style>
           <a:lnRef idx="0">
-            <a:schemeClr val="accent1"/>
+            <a:schemeClr val="accent2"/>
           </a:lnRef>
           <a:fillRef idx="3">
-            <a:schemeClr val="accent1"/>
+            <a:schemeClr val="accent2"/>
           </a:fillRef>
           <a:effectRef idx="3">
-            <a:schemeClr val="accent1"/>
+            <a:schemeClr val="accent2"/>
           </a:effectRef>
           <a:fontRef idx="minor">
             <a:schemeClr val="lt1"/>
@@ -9637,6 +9637,97 @@
           <a:xfrm>
             <a:off x="2128824" y="533384"/>
             <a:ext cx="1785950" cy="2000264"/>
+          </a:xfrm>
+          <a:prstGeom prst="roundRect">
+            <a:avLst/>
+          </a:prstGeom>
+        </p:spPr>
+        <p:style>
+          <a:lnRef idx="0">
+            <a:schemeClr val="accent2"/>
+          </a:lnRef>
+          <a:fillRef idx="3">
+            <a:schemeClr val="accent2"/>
+          </a:fillRef>
+          <a:effectRef idx="3">
+            <a:schemeClr val="accent2"/>
+          </a:effectRef>
+          <a:fontRef idx="minor">
+            <a:schemeClr val="lt1"/>
+          </a:fontRef>
+        </p:style>
+        <p:txBody>
+          <a:bodyPr rtlCol="0" anchor="ctr"/>
+          <a:lstStyle/>
+          <a:p>
+            <a:pPr algn="ctr"/>
+            <a:r>
+              <a:rPr lang="pt-BR" dirty="0" smtClean="0"/>
+              <a:t>Gerador </a:t>
+            </a:r>
+            <a:br>
+              <a:rPr lang="pt-BR" dirty="0" smtClean="0"/>
+            </a:br>
+            <a:r>
+              <a:rPr lang="pt-BR" dirty="0" smtClean="0"/>
+              <a:t>RAS</a:t>
+            </a:r>
+            <a:endParaRPr lang="pt-BR" dirty="0"/>
+          </a:p>
+        </p:txBody>
+      </p:sp>
+      <p:sp>
+        <p:nvSpPr>
+          <p:cNvPr id="8" name="Retângulo de cantos arredondados 7"/>
+          <p:cNvSpPr/>
+          <p:nvPr/>
+        </p:nvSpPr>
+        <p:spPr>
+          <a:xfrm>
+            <a:off x="4105276" y="628650"/>
+            <a:ext cx="1738322" cy="1904997"/>
+          </a:xfrm>
+          <a:prstGeom prst="roundRect">
+            <a:avLst/>
+          </a:prstGeom>
+        </p:spPr>
+        <p:style>
+          <a:lnRef idx="0">
+            <a:schemeClr val="accent3"/>
+          </a:lnRef>
+          <a:fillRef idx="3">
+            <a:schemeClr val="accent3"/>
+          </a:fillRef>
+          <a:effectRef idx="3">
+            <a:schemeClr val="accent3"/>
+          </a:effectRef>
+          <a:fontRef idx="minor">
+            <a:schemeClr val="lt1"/>
+          </a:fontRef>
+        </p:style>
+        <p:txBody>
+          <a:bodyPr rtlCol="0" anchor="ctr"/>
+          <a:lstStyle/>
+          <a:p>
+            <a:pPr algn="ctr"/>
+            <a:r>
+              <a:rPr lang="pt-BR" sz="1600" dirty="0" smtClean="0"/>
+              <a:t>Armazenamento Artefatos RAS</a:t>
+            </a:r>
+            <a:endParaRPr lang="pt-BR" sz="1600" dirty="0"/>
+          </a:p>
+        </p:txBody>
+      </p:sp>
+      <p:sp>
+        <p:nvSpPr>
+          <p:cNvPr id="9" name="Retângulo de cantos arredondados 8"/>
+          <p:cNvSpPr/>
+          <p:nvPr/>
+        </p:nvSpPr>
+        <p:spPr>
+          <a:xfrm>
+            <a:off x="6000750" y="1985954"/>
+            <a:ext cx="2824186" cy="642944"/>
           </a:xfrm>
           <a:prstGeom prst="roundRect">
             <a:avLst/>
@@ -9662,30 +9753,23 @@
           <a:p>
             <a:pPr algn="ctr"/>
             <a:r>
-              <a:rPr lang="pt-BR" dirty="0" smtClean="0"/>
-              <a:t>Gerador </a:t>
+              <a:rPr lang="pt-BR" sz="1600" dirty="0" smtClean="0"/>
+              <a:t>Base de Dados</a:t>
             </a:r>
-            <a:br>
-              <a:rPr lang="pt-BR" dirty="0" smtClean="0"/>
-            </a:br>
-            <a:r>
-              <a:rPr lang="pt-BR" dirty="0" smtClean="0"/>
-              <a:t>RAS</a:t>
-            </a:r>
-            <a:endParaRPr lang="pt-BR" dirty="0"/>
+            <a:endParaRPr lang="pt-BR" sz="1600" dirty="0"/>
           </a:p>
         </p:txBody>
       </p:sp>
       <p:sp>
         <p:nvSpPr>
-          <p:cNvPr id="8" name="Retângulo de cantos arredondados 7"/>
+          <p:cNvPr id="10" name="Retângulo de cantos arredondados 9"/>
           <p:cNvSpPr/>
           <p:nvPr/>
         </p:nvSpPr>
         <p:spPr>
           <a:xfrm>
-            <a:off x="4029072" y="533384"/>
-            <a:ext cx="1785950" cy="2000264"/>
+            <a:off x="5915026" y="626722"/>
+            <a:ext cx="1371614" cy="1173494"/>
           </a:xfrm>
           <a:prstGeom prst="roundRect">
             <a:avLst/>
@@ -9712,7 +9796,7 @@
             <a:pPr algn="ctr"/>
             <a:r>
               <a:rPr lang="pt-BR" sz="1600" dirty="0" smtClean="0"/>
-              <a:t>Armazenamento Artefatos RAS</a:t>
+              <a:t>Busca Artefatos RAS</a:t>
             </a:r>
             <a:endParaRPr lang="pt-BR" sz="1600" dirty="0"/>
           </a:p>
@@ -9720,56 +9804,14 @@
       </p:sp>
       <p:sp>
         <p:nvSpPr>
-          <p:cNvPr id="9" name="Retângulo de cantos arredondados 8"/>
+          <p:cNvPr id="11" name="Retângulo de cantos arredondados 10"/>
           <p:cNvSpPr/>
           <p:nvPr/>
         </p:nvSpPr>
         <p:spPr>
           <a:xfrm>
-            <a:off x="5929320" y="1890704"/>
-            <a:ext cx="2895616" cy="642944"/>
-          </a:xfrm>
-          <a:prstGeom prst="roundRect">
-            <a:avLst/>
-          </a:prstGeom>
-        </p:spPr>
-        <p:style>
-          <a:lnRef idx="0">
-            <a:schemeClr val="accent1"/>
-          </a:lnRef>
-          <a:fillRef idx="3">
-            <a:schemeClr val="accent1"/>
-          </a:fillRef>
-          <a:effectRef idx="3">
-            <a:schemeClr val="accent1"/>
-          </a:effectRef>
-          <a:fontRef idx="minor">
-            <a:schemeClr val="lt1"/>
-          </a:fontRef>
-        </p:style>
-        <p:txBody>
-          <a:bodyPr rtlCol="0" anchor="ctr"/>
-          <a:lstStyle/>
-          <a:p>
-            <a:pPr algn="ctr"/>
-            <a:r>
-              <a:rPr lang="pt-BR" sz="1600" dirty="0" smtClean="0"/>
-              <a:t>Base de Dados</a:t>
-            </a:r>
-            <a:endParaRPr lang="pt-BR" sz="1600" dirty="0"/>
-          </a:p>
-        </p:txBody>
-      </p:sp>
-      <p:sp>
-        <p:nvSpPr>
-          <p:cNvPr id="10" name="Retângulo de cantos arredondados 9"/>
-          <p:cNvSpPr/>
-          <p:nvPr/>
-        </p:nvSpPr>
-        <p:spPr>
-          <a:xfrm>
-            <a:off x="5929320" y="533384"/>
-            <a:ext cx="1357320" cy="1266832"/>
+            <a:off x="7361881" y="626722"/>
+            <a:ext cx="1463055" cy="1173494"/>
           </a:xfrm>
           <a:prstGeom prst="roundRect">
             <a:avLst/>
@@ -9796,7 +9838,14 @@
             <a:pPr algn="ctr"/>
             <a:r>
               <a:rPr lang="pt-BR" sz="1600" dirty="0" smtClean="0"/>
-              <a:t>Busca Artefatos RAS</a:t>
+              <a:t>Recuperação </a:t>
+            </a:r>
+          </a:p>
+          <a:p>
+            <a:pPr algn="ctr"/>
+            <a:r>
+              <a:rPr lang="pt-BR" sz="1600" dirty="0" smtClean="0"/>
+              <a:t>Artefatos RAS</a:t>
             </a:r>
             <a:endParaRPr lang="pt-BR" sz="1600" dirty="0"/>
           </a:p>
@@ -9804,18 +9853,21 @@
       </p:sp>
       <p:sp>
         <p:nvSpPr>
-          <p:cNvPr id="11" name="Retângulo de cantos arredondados 10"/>
+          <p:cNvPr id="12" name="Retângulo de cantos arredondados 11"/>
           <p:cNvSpPr/>
           <p:nvPr/>
         </p:nvSpPr>
         <p:spPr>
           <a:xfrm>
-            <a:off x="7377128" y="533384"/>
-            <a:ext cx="1447808" cy="1266832"/>
+            <a:off x="306300" y="4308733"/>
+            <a:ext cx="452440" cy="452440"/>
           </a:xfrm>
           <a:prstGeom prst="roundRect">
             <a:avLst/>
           </a:prstGeom>
+          <a:ln>
+            <a:prstDash val="dash"/>
+          </a:ln>
         </p:spPr>
         <p:style>
           <a:lnRef idx="0">
@@ -9836,55 +9888,6 @@
           <a:lstStyle/>
           <a:p>
             <a:pPr algn="ctr"/>
-            <a:r>
-              <a:rPr lang="pt-BR" sz="1600" dirty="0" smtClean="0"/>
-              <a:t>Recuperação </a:t>
-            </a:r>
-          </a:p>
-          <a:p>
-            <a:pPr algn="ctr"/>
-            <a:r>
-              <a:rPr lang="pt-BR" sz="1600" dirty="0" smtClean="0"/>
-              <a:t>Artefatos RAS</a:t>
-            </a:r>
-            <a:endParaRPr lang="pt-BR" sz="1600" dirty="0"/>
-          </a:p>
-        </p:txBody>
-      </p:sp>
-      <p:sp>
-        <p:nvSpPr>
-          <p:cNvPr id="12" name="Retângulo de cantos arredondados 11"/>
-          <p:cNvSpPr/>
-          <p:nvPr/>
-        </p:nvSpPr>
-        <p:spPr>
-          <a:xfrm>
-            <a:off x="2935200" y="4299208"/>
-            <a:ext cx="452440" cy="452440"/>
-          </a:xfrm>
-          <a:prstGeom prst="roundRect">
-            <a:avLst/>
-          </a:prstGeom>
-        </p:spPr>
-        <p:style>
-          <a:lnRef idx="0">
-            <a:schemeClr val="accent3"/>
-          </a:lnRef>
-          <a:fillRef idx="3">
-            <a:schemeClr val="accent3"/>
-          </a:fillRef>
-          <a:effectRef idx="3">
-            <a:schemeClr val="accent3"/>
-          </a:effectRef>
-          <a:fontRef idx="minor">
-            <a:schemeClr val="lt1"/>
-          </a:fontRef>
-        </p:style>
-        <p:txBody>
-          <a:bodyPr rtlCol="0" anchor="ctr"/>
-          <a:lstStyle/>
-          <a:p>
-            <a:pPr algn="ctr"/>
             <a:endParaRPr lang="pt-BR"/>
           </a:p>
         </p:txBody>
@@ -9897,7 +9900,7 @@
         </p:nvSpPr>
         <p:spPr>
           <a:xfrm>
-            <a:off x="3387640" y="4345740"/>
+            <a:off x="815890" y="4383840"/>
             <a:ext cx="2146421" cy="369332"/>
           </a:xfrm>
           <a:prstGeom prst="rect">
@@ -9927,8 +9930,8 @@
         </p:nvSpPr>
         <p:spPr>
           <a:xfrm>
-            <a:off x="2865120" y="4218432"/>
-            <a:ext cx="2682240" cy="597408"/>
+            <a:off x="236220" y="4227957"/>
+            <a:ext cx="582930" cy="597408"/>
           </a:xfrm>
           <a:prstGeom prst="roundRect">
             <a:avLst/>
@@ -9938,6 +9941,7 @@
             <a:solidFill>
               <a:schemeClr val="tx1"/>
             </a:solidFill>
+            <a:prstDash val="dash"/>
           </a:ln>
         </p:spPr>
         <p:style>
@@ -9949,6 +9953,118 @@
           </a:fillRef>
           <a:effectRef idx="0">
             <a:schemeClr val="accent1"/>
+          </a:effectRef>
+          <a:fontRef idx="minor">
+            <a:schemeClr val="dk1"/>
+          </a:fontRef>
+        </p:style>
+        <p:txBody>
+          <a:bodyPr rtlCol="0" anchor="ctr"/>
+          <a:lstStyle/>
+          <a:p>
+            <a:pPr algn="ctr"/>
+            <a:endParaRPr lang="pt-BR"/>
+          </a:p>
+        </p:txBody>
+      </p:sp>
+      <p:sp>
+        <p:nvSpPr>
+          <p:cNvPr id="16" name="Forma livre 15"/>
+          <p:cNvSpPr/>
+          <p:nvPr/>
+        </p:nvSpPr>
+        <p:spPr>
+          <a:xfrm>
+            <a:off x="4010025" y="542925"/>
+            <a:ext cx="4876800" cy="2057400"/>
+          </a:xfrm>
+          <a:custGeom>
+            <a:avLst/>
+            <a:gdLst>
+              <a:gd name="connsiteX0" fmla="*/ 0 w 4876800"/>
+              <a:gd name="connsiteY0" fmla="*/ 0 h 2057400"/>
+              <a:gd name="connsiteX1" fmla="*/ 4876800 w 4876800"/>
+              <a:gd name="connsiteY1" fmla="*/ 9525 h 2057400"/>
+              <a:gd name="connsiteX2" fmla="*/ 4876800 w 4876800"/>
+              <a:gd name="connsiteY2" fmla="*/ 1343025 h 2057400"/>
+              <a:gd name="connsiteX3" fmla="*/ 1885950 w 4876800"/>
+              <a:gd name="connsiteY3" fmla="*/ 1343025 h 2057400"/>
+              <a:gd name="connsiteX4" fmla="*/ 1885950 w 4876800"/>
+              <a:gd name="connsiteY4" fmla="*/ 2057400 h 2057400"/>
+              <a:gd name="connsiteX5" fmla="*/ 38100 w 4876800"/>
+              <a:gd name="connsiteY5" fmla="*/ 2057400 h 2057400"/>
+              <a:gd name="connsiteX6" fmla="*/ 0 w 4876800"/>
+              <a:gd name="connsiteY6" fmla="*/ 0 h 2057400"/>
+            </a:gdLst>
+            <a:ahLst/>
+            <a:cxnLst>
+              <a:cxn ang="0">
+                <a:pos x="connsiteX0" y="connsiteY0"/>
+              </a:cxn>
+              <a:cxn ang="0">
+                <a:pos x="connsiteX1" y="connsiteY1"/>
+              </a:cxn>
+              <a:cxn ang="0">
+                <a:pos x="connsiteX2" y="connsiteY2"/>
+              </a:cxn>
+              <a:cxn ang="0">
+                <a:pos x="connsiteX3" y="connsiteY3"/>
+              </a:cxn>
+              <a:cxn ang="0">
+                <a:pos x="connsiteX4" y="connsiteY4"/>
+              </a:cxn>
+              <a:cxn ang="0">
+                <a:pos x="connsiteX5" y="connsiteY5"/>
+              </a:cxn>
+              <a:cxn ang="0">
+                <a:pos x="connsiteX6" y="connsiteY6"/>
+              </a:cxn>
+            </a:cxnLst>
+            <a:rect l="l" t="t" r="r" b="b"/>
+            <a:pathLst>
+              <a:path w="4876800" h="2057400">
+                <a:moveTo>
+                  <a:pt x="0" y="0"/>
+                </a:moveTo>
+                <a:lnTo>
+                  <a:pt x="4876800" y="9525"/>
+                </a:lnTo>
+                <a:lnTo>
+                  <a:pt x="4876800" y="1343025"/>
+                </a:lnTo>
+                <a:lnTo>
+                  <a:pt x="1885950" y="1343025"/>
+                </a:lnTo>
+                <a:lnTo>
+                  <a:pt x="1885950" y="2057400"/>
+                </a:lnTo>
+                <a:lnTo>
+                  <a:pt x="38100" y="2057400"/>
+                </a:lnTo>
+                <a:lnTo>
+                  <a:pt x="0" y="0"/>
+                </a:lnTo>
+                <a:close/>
+              </a:path>
+            </a:pathLst>
+          </a:custGeom>
+          <a:noFill/>
+          <a:ln>
+            <a:solidFill>
+              <a:schemeClr val="tx1"/>
+            </a:solidFill>
+            <a:prstDash val="dash"/>
+          </a:ln>
+        </p:spPr>
+        <p:style>
+          <a:lnRef idx="2">
+            <a:schemeClr val="accent6"/>
+          </a:lnRef>
+          <a:fillRef idx="1">
+            <a:schemeClr val="lt1"/>
+          </a:fillRef>
+          <a:effectRef idx="0">
+            <a:schemeClr val="accent6"/>
           </a:effectRef>
           <a:fontRef idx="minor">
             <a:schemeClr val="dk1"/>

--- a/trunk/PromotingSoftwareReuseWithRAS/Desenhos.pptx
+++ b/trunk/PromotingSoftwareReuseWithRAS/Desenhos.pptx
@@ -6,9 +6,11 @@
   </p:sldMasterIdLst>
   <p:sldIdLst>
     <p:sldId id="256" r:id="rId2"/>
-    <p:sldId id="257" r:id="rId3"/>
-    <p:sldId id="258" r:id="rId4"/>
-    <p:sldId id="259" r:id="rId5"/>
+    <p:sldId id="260" r:id="rId3"/>
+    <p:sldId id="257" r:id="rId4"/>
+    <p:sldId id="258" r:id="rId5"/>
+    <p:sldId id="259" r:id="rId6"/>
+    <p:sldId id="261" r:id="rId7"/>
   </p:sldIdLst>
   <p:sldSz cx="9144000" cy="6858000" type="screen4x3"/>
   <p:notesSz cx="6858000" cy="9144000"/>
@@ -2104,7 +2106,7 @@
   <dgm:whole/>
   <dgm:extLst>
     <a:ext uri="http://schemas.microsoft.com/office/drawing/2008/diagram">
-      <dsp:dataModelExt xmlns:dsp="http://schemas.microsoft.com/office/drawing/2008/diagram" xmlns="" relId="rId6" minVer="http://schemas.openxmlformats.org/drawingml/2006/diagram"/>
+      <dsp:dataModelExt xmlns="" xmlns:dsp="http://schemas.microsoft.com/office/drawing/2008/diagram" relId="rId6" minVer="http://schemas.openxmlformats.org/drawingml/2006/diagram"/>
     </a:ext>
   </dgm:extLst>
 </dgm:dataModel>
@@ -2354,7 +2356,7 @@
   <dgm:whole/>
   <dgm:extLst>
     <a:ext uri="http://schemas.microsoft.com/office/drawing/2008/diagram">
-      <dsp:dataModelExt xmlns:dsp="http://schemas.microsoft.com/office/drawing/2008/diagram" xmlns="" relId="rId11" minVer="http://schemas.openxmlformats.org/drawingml/2006/diagram"/>
+      <dsp:dataModelExt xmlns="" xmlns:dsp="http://schemas.microsoft.com/office/drawing/2008/diagram" relId="rId11" minVer="http://schemas.openxmlformats.org/drawingml/2006/diagram"/>
     </a:ext>
   </dgm:extLst>
 </dgm:dataModel>
@@ -5784,7 +5786,7 @@
             <a:fld id="{A7B42A40-B707-4983-807D-17011D490F87}" type="datetimeFigureOut">
               <a:rPr lang="pt-BR" smtClean="0"/>
               <a:pPr/>
-              <a:t>30/06/2009</a:t>
+              <a:t>03/07/2009</a:t>
             </a:fld>
             <a:endParaRPr lang="pt-BR"/>
           </a:p>
@@ -5827,7 +5829,7 @@
             <a:fld id="{E545FD62-2F7E-4843-A4AD-0212DEDA2940}" type="slidenum">
               <a:rPr lang="pt-BR" smtClean="0"/>
               <a:pPr/>
-              <a:t>‹nº›</a:t>
+              <a:t>‹#›</a:t>
             </a:fld>
             <a:endParaRPr lang="pt-BR"/>
           </a:p>
@@ -5951,7 +5953,7 @@
             <a:fld id="{A7B42A40-B707-4983-807D-17011D490F87}" type="datetimeFigureOut">
               <a:rPr lang="pt-BR" smtClean="0"/>
               <a:pPr/>
-              <a:t>30/06/2009</a:t>
+              <a:t>03/07/2009</a:t>
             </a:fld>
             <a:endParaRPr lang="pt-BR"/>
           </a:p>
@@ -5994,7 +5996,7 @@
             <a:fld id="{E545FD62-2F7E-4843-A4AD-0212DEDA2940}" type="slidenum">
               <a:rPr lang="pt-BR" smtClean="0"/>
               <a:pPr/>
-              <a:t>‹nº›</a:t>
+              <a:t>‹#›</a:t>
             </a:fld>
             <a:endParaRPr lang="pt-BR"/>
           </a:p>
@@ -6128,7 +6130,7 @@
             <a:fld id="{A7B42A40-B707-4983-807D-17011D490F87}" type="datetimeFigureOut">
               <a:rPr lang="pt-BR" smtClean="0"/>
               <a:pPr/>
-              <a:t>30/06/2009</a:t>
+              <a:t>03/07/2009</a:t>
             </a:fld>
             <a:endParaRPr lang="pt-BR"/>
           </a:p>
@@ -6171,7 +6173,7 @@
             <a:fld id="{E545FD62-2F7E-4843-A4AD-0212DEDA2940}" type="slidenum">
               <a:rPr lang="pt-BR" smtClean="0"/>
               <a:pPr/>
-              <a:t>‹nº›</a:t>
+              <a:t>‹#›</a:t>
             </a:fld>
             <a:endParaRPr lang="pt-BR"/>
           </a:p>
@@ -6295,7 +6297,7 @@
             <a:fld id="{A7B42A40-B707-4983-807D-17011D490F87}" type="datetimeFigureOut">
               <a:rPr lang="pt-BR" smtClean="0"/>
               <a:pPr/>
-              <a:t>30/06/2009</a:t>
+              <a:t>03/07/2009</a:t>
             </a:fld>
             <a:endParaRPr lang="pt-BR"/>
           </a:p>
@@ -6338,7 +6340,7 @@
             <a:fld id="{E545FD62-2F7E-4843-A4AD-0212DEDA2940}" type="slidenum">
               <a:rPr lang="pt-BR" smtClean="0"/>
               <a:pPr/>
-              <a:t>‹nº›</a:t>
+              <a:t>‹#›</a:t>
             </a:fld>
             <a:endParaRPr lang="pt-BR"/>
           </a:p>
@@ -6538,7 +6540,7 @@
             <a:fld id="{A7B42A40-B707-4983-807D-17011D490F87}" type="datetimeFigureOut">
               <a:rPr lang="pt-BR" smtClean="0"/>
               <a:pPr/>
-              <a:t>30/06/2009</a:t>
+              <a:t>03/07/2009</a:t>
             </a:fld>
             <a:endParaRPr lang="pt-BR"/>
           </a:p>
@@ -6581,7 +6583,7 @@
             <a:fld id="{E545FD62-2F7E-4843-A4AD-0212DEDA2940}" type="slidenum">
               <a:rPr lang="pt-BR" smtClean="0"/>
               <a:pPr/>
-              <a:t>‹nº›</a:t>
+              <a:t>‹#›</a:t>
             </a:fld>
             <a:endParaRPr lang="pt-BR"/>
           </a:p>
@@ -6823,7 +6825,7 @@
             <a:fld id="{A7B42A40-B707-4983-807D-17011D490F87}" type="datetimeFigureOut">
               <a:rPr lang="pt-BR" smtClean="0"/>
               <a:pPr/>
-              <a:t>30/06/2009</a:t>
+              <a:t>03/07/2009</a:t>
             </a:fld>
             <a:endParaRPr lang="pt-BR"/>
           </a:p>
@@ -6866,7 +6868,7 @@
             <a:fld id="{E545FD62-2F7E-4843-A4AD-0212DEDA2940}" type="slidenum">
               <a:rPr lang="pt-BR" smtClean="0"/>
               <a:pPr/>
-              <a:t>‹nº›</a:t>
+              <a:t>‹#›</a:t>
             </a:fld>
             <a:endParaRPr lang="pt-BR"/>
           </a:p>
@@ -7242,7 +7244,7 @@
             <a:fld id="{A7B42A40-B707-4983-807D-17011D490F87}" type="datetimeFigureOut">
               <a:rPr lang="pt-BR" smtClean="0"/>
               <a:pPr/>
-              <a:t>30/06/2009</a:t>
+              <a:t>03/07/2009</a:t>
             </a:fld>
             <a:endParaRPr lang="pt-BR"/>
           </a:p>
@@ -7285,7 +7287,7 @@
             <a:fld id="{E545FD62-2F7E-4843-A4AD-0212DEDA2940}" type="slidenum">
               <a:rPr lang="pt-BR" smtClean="0"/>
               <a:pPr/>
-              <a:t>‹nº›</a:t>
+              <a:t>‹#›</a:t>
             </a:fld>
             <a:endParaRPr lang="pt-BR"/>
           </a:p>
@@ -7357,7 +7359,7 @@
             <a:fld id="{A7B42A40-B707-4983-807D-17011D490F87}" type="datetimeFigureOut">
               <a:rPr lang="pt-BR" smtClean="0"/>
               <a:pPr/>
-              <a:t>30/06/2009</a:t>
+              <a:t>03/07/2009</a:t>
             </a:fld>
             <a:endParaRPr lang="pt-BR"/>
           </a:p>
@@ -7400,7 +7402,7 @@
             <a:fld id="{E545FD62-2F7E-4843-A4AD-0212DEDA2940}" type="slidenum">
               <a:rPr lang="pt-BR" smtClean="0"/>
               <a:pPr/>
-              <a:t>‹nº›</a:t>
+              <a:t>‹#›</a:t>
             </a:fld>
             <a:endParaRPr lang="pt-BR"/>
           </a:p>
@@ -7449,7 +7451,7 @@
             <a:fld id="{A7B42A40-B707-4983-807D-17011D490F87}" type="datetimeFigureOut">
               <a:rPr lang="pt-BR" smtClean="0"/>
               <a:pPr/>
-              <a:t>30/06/2009</a:t>
+              <a:t>03/07/2009</a:t>
             </a:fld>
             <a:endParaRPr lang="pt-BR"/>
           </a:p>
@@ -7492,7 +7494,7 @@
             <a:fld id="{E545FD62-2F7E-4843-A4AD-0212DEDA2940}" type="slidenum">
               <a:rPr lang="pt-BR" smtClean="0"/>
               <a:pPr/>
-              <a:t>‹nº›</a:t>
+              <a:t>‹#›</a:t>
             </a:fld>
             <a:endParaRPr lang="pt-BR"/>
           </a:p>
@@ -7723,7 +7725,7 @@
             <a:fld id="{A7B42A40-B707-4983-807D-17011D490F87}" type="datetimeFigureOut">
               <a:rPr lang="pt-BR" smtClean="0"/>
               <a:pPr/>
-              <a:t>30/06/2009</a:t>
+              <a:t>03/07/2009</a:t>
             </a:fld>
             <a:endParaRPr lang="pt-BR"/>
           </a:p>
@@ -7766,7 +7768,7 @@
             <a:fld id="{E545FD62-2F7E-4843-A4AD-0212DEDA2940}" type="slidenum">
               <a:rPr lang="pt-BR" smtClean="0"/>
               <a:pPr/>
-              <a:t>‹nº›</a:t>
+              <a:t>‹#›</a:t>
             </a:fld>
             <a:endParaRPr lang="pt-BR"/>
           </a:p>
@@ -7973,7 +7975,7 @@
             <a:fld id="{A7B42A40-B707-4983-807D-17011D490F87}" type="datetimeFigureOut">
               <a:rPr lang="pt-BR" smtClean="0"/>
               <a:pPr/>
-              <a:t>30/06/2009</a:t>
+              <a:t>03/07/2009</a:t>
             </a:fld>
             <a:endParaRPr lang="pt-BR"/>
           </a:p>
@@ -8016,7 +8018,7 @@
             <a:fld id="{E545FD62-2F7E-4843-A4AD-0212DEDA2940}" type="slidenum">
               <a:rPr lang="pt-BR" smtClean="0"/>
               <a:pPr/>
-              <a:t>‹nº›</a:t>
+              <a:t>‹#›</a:t>
             </a:fld>
             <a:endParaRPr lang="pt-BR"/>
           </a:p>
@@ -8183,7 +8185,7 @@
             <a:fld id="{A7B42A40-B707-4983-807D-17011D490F87}" type="datetimeFigureOut">
               <a:rPr lang="pt-BR" smtClean="0"/>
               <a:pPr/>
-              <a:t>30/06/2009</a:t>
+              <a:t>03/07/2009</a:t>
             </a:fld>
             <a:endParaRPr lang="pt-BR"/>
           </a:p>
@@ -8262,7 +8264,7 @@
             <a:fld id="{E545FD62-2F7E-4843-A4AD-0212DEDA2940}" type="slidenum">
               <a:rPr lang="pt-BR" smtClean="0"/>
               <a:pPr/>
-              <a:t>‹nº›</a:t>
+              <a:t>‹#›</a:t>
             </a:fld>
             <a:endParaRPr lang="pt-BR"/>
           </a:p>
@@ -8682,7 +8684,7 @@
         </p:xfrm>
         <a:graphic>
           <a:graphicData uri="http://schemas.openxmlformats.org/drawingml/2006/diagram">
-            <dgm:relIds xmlns:dgm="http://schemas.openxmlformats.org/drawingml/2006/diagram" xmlns:r="http://schemas.openxmlformats.org/officeDocument/2006/relationships" r:dm="rId7" r:lo="rId8" r:qs="rId9" r:cs="rId10"/>
+            <dgm:relIds xmlns:dgm="http://schemas.openxmlformats.org/drawingml/2006/diagram" xmlns:r="http://schemas.openxmlformats.org/officeDocument/2006/relationships" r:dm="rId6" r:lo="rId7" r:qs="rId8" r:cs="rId9"/>
           </a:graphicData>
         </a:graphic>
       </p:graphicFrame>
@@ -8873,6 +8875,366 @@
 </file>
 
 <file path=ppt/slides/slide2.xml><?xml version="1.0" encoding="utf-8"?>
+<p:sld xmlns:a="http://schemas.openxmlformats.org/drawingml/2006/main" xmlns:r="http://schemas.openxmlformats.org/officeDocument/2006/relationships" xmlns:p="http://schemas.openxmlformats.org/presentationml/2006/main">
+  <p:cSld>
+    <p:spTree>
+      <p:nvGrpSpPr>
+        <p:cNvPr id="1" name=""/>
+        <p:cNvGrpSpPr/>
+        <p:nvPr/>
+      </p:nvGrpSpPr>
+      <p:grpSpPr>
+        <a:xfrm>
+          <a:off x="0" y="0"/>
+          <a:ext cx="0" cy="0"/>
+          <a:chOff x="0" y="0"/>
+          <a:chExt cx="0" cy="0"/>
+        </a:xfrm>
+      </p:grpSpPr>
+      <p:sp>
+        <p:nvSpPr>
+          <p:cNvPr id="2" name="Title 1"/>
+          <p:cNvSpPr>
+            <a:spLocks noGrp="1"/>
+          </p:cNvSpPr>
+          <p:nvPr>
+            <p:ph type="title"/>
+          </p:nvPr>
+        </p:nvSpPr>
+        <p:spPr/>
+        <p:txBody>
+          <a:bodyPr/>
+          <a:lstStyle/>
+          <a:p>
+            <a:endParaRPr lang="pt-BR"/>
+          </a:p>
+        </p:txBody>
+      </p:sp>
+      <p:sp>
+        <p:nvSpPr>
+          <p:cNvPr id="3" name="Content Placeholder 2"/>
+          <p:cNvSpPr>
+            <a:spLocks noGrp="1"/>
+          </p:cNvSpPr>
+          <p:nvPr>
+            <p:ph idx="1"/>
+          </p:nvPr>
+        </p:nvSpPr>
+        <p:spPr/>
+        <p:txBody>
+          <a:bodyPr/>
+          <a:lstStyle/>
+          <a:p>
+            <a:endParaRPr lang="pt-BR" dirty="0"/>
+          </a:p>
+        </p:txBody>
+      </p:sp>
+      <p:grpSp>
+        <p:nvGrpSpPr>
+          <p:cNvPr id="4" name="Group 3"/>
+          <p:cNvGrpSpPr/>
+          <p:nvPr/>
+        </p:nvGrpSpPr>
+        <p:grpSpPr>
+          <a:xfrm>
+            <a:off x="1526679" y="3162300"/>
+            <a:ext cx="2342554" cy="735210"/>
+            <a:chOff x="2678" y="241886"/>
+            <a:chExt cx="2342554" cy="937021"/>
+          </a:xfrm>
+        </p:grpSpPr>
+        <p:sp>
+          <p:nvSpPr>
+            <p:cNvPr id="11" name="Pentagon 10"/>
+            <p:cNvSpPr/>
+            <p:nvPr/>
+          </p:nvSpPr>
+          <p:spPr>
+            <a:xfrm>
+              <a:off x="2678" y="241886"/>
+              <a:ext cx="2342554" cy="937021"/>
+            </a:xfrm>
+            <a:prstGeom prst="homePlate">
+              <a:avLst/>
+            </a:prstGeom>
+          </p:spPr>
+          <p:style>
+            <a:lnRef idx="0">
+              <a:schemeClr val="accent1"/>
+            </a:lnRef>
+            <a:fillRef idx="3">
+              <a:schemeClr val="accent1"/>
+            </a:fillRef>
+            <a:effectRef idx="3">
+              <a:schemeClr val="accent1"/>
+            </a:effectRef>
+            <a:fontRef idx="minor">
+              <a:schemeClr val="lt1"/>
+            </a:fontRef>
+          </p:style>
+        </p:sp>
+        <p:sp>
+          <p:nvSpPr>
+            <p:cNvPr id="12" name="Pentagon 4"/>
+            <p:cNvSpPr/>
+            <p:nvPr/>
+          </p:nvSpPr>
+          <p:spPr>
+            <a:xfrm>
+              <a:off x="2678" y="241886"/>
+              <a:ext cx="2108298" cy="937021"/>
+            </a:xfrm>
+            <a:prstGeom prst="rect">
+              <a:avLst/>
+            </a:prstGeom>
+          </p:spPr>
+          <p:style>
+            <a:lnRef idx="0">
+              <a:scrgbClr r="0" g="0" b="0"/>
+            </a:lnRef>
+            <a:fillRef idx="0">
+              <a:scrgbClr r="0" g="0" b="0"/>
+            </a:fillRef>
+            <a:effectRef idx="0">
+              <a:scrgbClr r="0" g="0" b="0"/>
+            </a:effectRef>
+            <a:fontRef idx="minor">
+              <a:schemeClr val="lt1"/>
+            </a:fontRef>
+          </p:style>
+          <p:txBody>
+            <a:bodyPr spcFirstLastPara="0" vert="horz" wrap="square" lIns="80010" tIns="40005" rIns="20003" bIns="40005" numCol="1" spcCol="1270" anchor="ctr" anchorCtr="0">
+              <a:noAutofit/>
+            </a:bodyPr>
+            <a:lstStyle/>
+            <a:p>
+              <a:pPr lvl="0" algn="ctr" defTabSz="666750">
+                <a:lnSpc>
+                  <a:spcPct val="90000"/>
+                </a:lnSpc>
+                <a:spcBef>
+                  <a:spcPct val="0"/>
+                </a:spcBef>
+                <a:spcAft>
+                  <a:spcPct val="35000"/>
+                </a:spcAft>
+              </a:pPr>
+              <a:r>
+                <a:rPr lang="pt-BR" sz="1500" kern="1200" dirty="0" smtClean="0"/>
+                <a:t>Identificação</a:t>
+              </a:r>
+              <a:endParaRPr lang="pt-BR" sz="1500" kern="1200" dirty="0"/>
+            </a:p>
+          </p:txBody>
+        </p:sp>
+      </p:grpSp>
+      <p:grpSp>
+        <p:nvGrpSpPr>
+          <p:cNvPr id="5" name="Group 4"/>
+          <p:cNvGrpSpPr/>
+          <p:nvPr/>
+        </p:nvGrpSpPr>
+        <p:grpSpPr>
+          <a:xfrm>
+            <a:off x="3400723" y="3162300"/>
+            <a:ext cx="2342554" cy="735210"/>
+            <a:chOff x="1876722" y="241886"/>
+            <a:chExt cx="2342554" cy="937021"/>
+          </a:xfrm>
+        </p:grpSpPr>
+        <p:sp>
+          <p:nvSpPr>
+            <p:cNvPr id="9" name="Chevron 8"/>
+            <p:cNvSpPr/>
+            <p:nvPr/>
+          </p:nvSpPr>
+          <p:spPr>
+            <a:xfrm>
+              <a:off x="1876722" y="241886"/>
+              <a:ext cx="2342554" cy="937021"/>
+            </a:xfrm>
+            <a:prstGeom prst="chevron">
+              <a:avLst/>
+            </a:prstGeom>
+          </p:spPr>
+          <p:style>
+            <a:lnRef idx="0">
+              <a:schemeClr val="accent1"/>
+            </a:lnRef>
+            <a:fillRef idx="3">
+              <a:schemeClr val="accent1"/>
+            </a:fillRef>
+            <a:effectRef idx="3">
+              <a:schemeClr val="accent1"/>
+            </a:effectRef>
+            <a:fontRef idx="minor">
+              <a:schemeClr val="lt1"/>
+            </a:fontRef>
+          </p:style>
+        </p:sp>
+        <p:sp>
+          <p:nvSpPr>
+            <p:cNvPr id="10" name="Chevron 6"/>
+            <p:cNvSpPr/>
+            <p:nvPr/>
+          </p:nvSpPr>
+          <p:spPr>
+            <a:xfrm>
+              <a:off x="2345233" y="241886"/>
+              <a:ext cx="1405533" cy="937021"/>
+            </a:xfrm>
+            <a:prstGeom prst="rect">
+              <a:avLst/>
+            </a:prstGeom>
+          </p:spPr>
+          <p:style>
+            <a:lnRef idx="0">
+              <a:scrgbClr r="0" g="0" b="0"/>
+            </a:lnRef>
+            <a:fillRef idx="0">
+              <a:scrgbClr r="0" g="0" b="0"/>
+            </a:fillRef>
+            <a:effectRef idx="0">
+              <a:scrgbClr r="0" g="0" b="0"/>
+            </a:effectRef>
+            <a:fontRef idx="minor">
+              <a:schemeClr val="lt1"/>
+            </a:fontRef>
+          </p:style>
+          <p:txBody>
+            <a:bodyPr spcFirstLastPara="0" vert="horz" wrap="square" lIns="60008" tIns="40005" rIns="20003" bIns="40005" numCol="1" spcCol="1270" anchor="ctr" anchorCtr="0">
+              <a:noAutofit/>
+            </a:bodyPr>
+            <a:lstStyle/>
+            <a:p>
+              <a:pPr lvl="0" algn="ctr" defTabSz="666750">
+                <a:lnSpc>
+                  <a:spcPct val="90000"/>
+                </a:lnSpc>
+                <a:spcBef>
+                  <a:spcPct val="0"/>
+                </a:spcBef>
+                <a:spcAft>
+                  <a:spcPct val="35000"/>
+                </a:spcAft>
+              </a:pPr>
+              <a:r>
+                <a:rPr lang="pt-BR" sz="1500" kern="1200" dirty="0" smtClean="0"/>
+                <a:t>Implementação</a:t>
+              </a:r>
+              <a:endParaRPr lang="pt-BR" sz="1500" kern="1200" dirty="0"/>
+            </a:p>
+          </p:txBody>
+        </p:sp>
+      </p:grpSp>
+      <p:grpSp>
+        <p:nvGrpSpPr>
+          <p:cNvPr id="6" name="Group 5"/>
+          <p:cNvGrpSpPr/>
+          <p:nvPr/>
+        </p:nvGrpSpPr>
+        <p:grpSpPr>
+          <a:xfrm>
+            <a:off x="5274767" y="3162300"/>
+            <a:ext cx="2342554" cy="735210"/>
+            <a:chOff x="3750766" y="241886"/>
+            <a:chExt cx="2342554" cy="937021"/>
+          </a:xfrm>
+        </p:grpSpPr>
+        <p:sp>
+          <p:nvSpPr>
+            <p:cNvPr id="7" name="Chevron 6"/>
+            <p:cNvSpPr/>
+            <p:nvPr/>
+          </p:nvSpPr>
+          <p:spPr>
+            <a:xfrm>
+              <a:off x="3750766" y="241886"/>
+              <a:ext cx="2342554" cy="937021"/>
+            </a:xfrm>
+            <a:prstGeom prst="chevron">
+              <a:avLst/>
+            </a:prstGeom>
+          </p:spPr>
+          <p:style>
+            <a:lnRef idx="0">
+              <a:schemeClr val="accent1"/>
+            </a:lnRef>
+            <a:fillRef idx="3">
+              <a:schemeClr val="accent1"/>
+            </a:fillRef>
+            <a:effectRef idx="3">
+              <a:schemeClr val="accent1"/>
+            </a:effectRef>
+            <a:fontRef idx="minor">
+              <a:schemeClr val="lt1"/>
+            </a:fontRef>
+          </p:style>
+        </p:sp>
+        <p:sp>
+          <p:nvSpPr>
+            <p:cNvPr id="8" name="Chevron 8"/>
+            <p:cNvSpPr/>
+            <p:nvPr/>
+          </p:nvSpPr>
+          <p:spPr>
+            <a:xfrm>
+              <a:off x="4219277" y="241886"/>
+              <a:ext cx="1405533" cy="937021"/>
+            </a:xfrm>
+            <a:prstGeom prst="rect">
+              <a:avLst/>
+            </a:prstGeom>
+          </p:spPr>
+          <p:style>
+            <a:lnRef idx="0">
+              <a:scrgbClr r="0" g="0" b="0"/>
+            </a:lnRef>
+            <a:fillRef idx="0">
+              <a:scrgbClr r="0" g="0" b="0"/>
+            </a:fillRef>
+            <a:effectRef idx="0">
+              <a:scrgbClr r="0" g="0" b="0"/>
+            </a:effectRef>
+            <a:fontRef idx="minor">
+              <a:schemeClr val="lt1"/>
+            </a:fontRef>
+          </p:style>
+          <p:txBody>
+            <a:bodyPr spcFirstLastPara="0" vert="horz" wrap="square" lIns="60008" tIns="40005" rIns="20003" bIns="40005" numCol="1" spcCol="1270" anchor="ctr" anchorCtr="0">
+              <a:noAutofit/>
+            </a:bodyPr>
+            <a:lstStyle/>
+            <a:p>
+              <a:pPr lvl="0" algn="ctr" defTabSz="666750">
+                <a:lnSpc>
+                  <a:spcPct val="90000"/>
+                </a:lnSpc>
+                <a:spcBef>
+                  <a:spcPct val="0"/>
+                </a:spcBef>
+                <a:spcAft>
+                  <a:spcPct val="35000"/>
+                </a:spcAft>
+              </a:pPr>
+              <a:r>
+                <a:rPr lang="pt-BR" sz="1500" kern="1200" dirty="0" smtClean="0"/>
+                <a:t>Empacotamento</a:t>
+              </a:r>
+              <a:endParaRPr lang="pt-BR" sz="1500" kern="1200" dirty="0"/>
+            </a:p>
+          </p:txBody>
+        </p:sp>
+      </p:grpSp>
+    </p:spTree>
+  </p:cSld>
+  <p:clrMapOvr>
+    <a:masterClrMapping/>
+  </p:clrMapOvr>
+</p:sld>
+</file>
+
+<file path=ppt/slides/slide3.xml><?xml version="1.0" encoding="utf-8"?>
 <p:sld xmlns:a="http://schemas.openxmlformats.org/drawingml/2006/main" xmlns:r="http://schemas.openxmlformats.org/officeDocument/2006/relationships" xmlns:p="http://schemas.openxmlformats.org/presentationml/2006/main">
   <p:cSld>
     <p:spTree>
@@ -9470,7 +9832,7 @@
 </p:sld>
 </file>
 
-<file path=ppt/slides/slide3.xml><?xml version="1.0" encoding="utf-8"?>
+<file path=ppt/slides/slide4.xml><?xml version="1.0" encoding="utf-8"?>
 <p:sld xmlns:a="http://schemas.openxmlformats.org/drawingml/2006/main" xmlns:r="http://schemas.openxmlformats.org/officeDocument/2006/relationships" xmlns:p="http://schemas.openxmlformats.org/presentationml/2006/main">
   <p:cSld>
     <p:spTree>
@@ -9487,598 +9849,613 @@
           <a:chExt cx="0" cy="0"/>
         </a:xfrm>
       </p:grpSpPr>
-      <p:sp>
-        <p:nvSpPr>
-          <p:cNvPr id="3" name="Retângulo 2"/>
-          <p:cNvSpPr/>
+      <p:grpSp>
+        <p:nvGrpSpPr>
+          <p:cNvPr id="15" name="Group 14"/>
+          <p:cNvGrpSpPr/>
           <p:nvPr/>
-        </p:nvSpPr>
-        <p:spPr>
-          <a:xfrm>
-            <a:off x="228576" y="2709858"/>
-            <a:ext cx="3710008" cy="1447808"/>
-          </a:xfrm>
-          <a:prstGeom prst="rect">
-            <a:avLst/>
-          </a:prstGeom>
-        </p:spPr>
-        <p:style>
-          <a:lnRef idx="0">
-            <a:schemeClr val="accent2"/>
-          </a:lnRef>
-          <a:fillRef idx="3">
-            <a:schemeClr val="accent2"/>
-          </a:fillRef>
-          <a:effectRef idx="3">
-            <a:schemeClr val="accent2"/>
-          </a:effectRef>
-          <a:fontRef idx="minor">
-            <a:schemeClr val="lt1"/>
-          </a:fontRef>
-        </p:style>
-        <p:txBody>
-          <a:bodyPr rtlCol="0" anchor="ctr"/>
-          <a:lstStyle/>
-          <a:p>
-            <a:pPr algn="ctr"/>
-            <a:r>
-              <a:rPr lang="pt-BR" dirty="0" smtClean="0"/>
-              <a:t>Contexto do Ator do Reuso </a:t>
-            </a:r>
-            <a:br>
-              <a:rPr lang="pt-BR" dirty="0" smtClean="0"/>
-            </a:br>
-            <a:r>
-              <a:rPr lang="pt-BR" dirty="0" smtClean="0"/>
-              <a:t>(produtor ou consumidor)</a:t>
-            </a:r>
-            <a:endParaRPr lang="pt-BR" dirty="0"/>
-          </a:p>
-        </p:txBody>
-      </p:sp>
-      <p:sp>
-        <p:nvSpPr>
-          <p:cNvPr id="4" name="Retângulo 3"/>
-          <p:cNvSpPr/>
-          <p:nvPr/>
-        </p:nvSpPr>
-        <p:spPr>
-          <a:xfrm>
-            <a:off x="4029072" y="2709858"/>
-            <a:ext cx="4795864" cy="1447808"/>
-          </a:xfrm>
-          <a:prstGeom prst="rect">
-            <a:avLst/>
-          </a:prstGeom>
-        </p:spPr>
-        <p:style>
-          <a:lnRef idx="0">
-            <a:schemeClr val="accent1"/>
-          </a:lnRef>
-          <a:fillRef idx="3">
-            <a:schemeClr val="accent1"/>
-          </a:fillRef>
-          <a:effectRef idx="3">
-            <a:schemeClr val="accent1"/>
-          </a:effectRef>
-          <a:fontRef idx="minor">
-            <a:schemeClr val="lt1"/>
-          </a:fontRef>
-        </p:style>
-        <p:txBody>
-          <a:bodyPr rtlCol="0" anchor="ctr"/>
-          <a:lstStyle/>
-          <a:p>
-            <a:pPr algn="ctr"/>
-            <a:r>
-              <a:rPr lang="pt-BR" dirty="0" smtClean="0"/>
-              <a:t>Contexto do </a:t>
-            </a:r>
-            <a:br>
-              <a:rPr lang="pt-BR" dirty="0" smtClean="0"/>
-            </a:br>
-            <a:r>
-              <a:rPr lang="pt-BR" dirty="0" smtClean="0"/>
-              <a:t>Repositório de Reuso</a:t>
-            </a:r>
-            <a:endParaRPr lang="pt-BR" dirty="0"/>
-          </a:p>
-        </p:txBody>
-      </p:sp>
-      <p:sp>
-        <p:nvSpPr>
-          <p:cNvPr id="6" name="Retângulo de cantos arredondados 5"/>
-          <p:cNvSpPr/>
-          <p:nvPr/>
-        </p:nvSpPr>
-        <p:spPr>
+        </p:nvGrpSpPr>
+        <p:grpSpPr>
           <a:xfrm>
             <a:off x="228576" y="533384"/>
-            <a:ext cx="1785950" cy="2000264"/>
+            <a:ext cx="8658249" cy="4291981"/>
+            <a:chOff x="228576" y="533384"/>
+            <a:chExt cx="8658249" cy="4291981"/>
           </a:xfrm>
-          <a:prstGeom prst="roundRect">
-            <a:avLst/>
-          </a:prstGeom>
-        </p:spPr>
-        <p:style>
-          <a:lnRef idx="0">
-            <a:schemeClr val="accent2"/>
-          </a:lnRef>
-          <a:fillRef idx="3">
-            <a:schemeClr val="accent2"/>
-          </a:fillRef>
-          <a:effectRef idx="3">
-            <a:schemeClr val="accent2"/>
-          </a:effectRef>
-          <a:fontRef idx="minor">
-            <a:schemeClr val="lt1"/>
-          </a:fontRef>
-        </p:style>
-        <p:txBody>
-          <a:bodyPr rtlCol="0" anchor="ctr"/>
-          <a:lstStyle/>
-          <a:p>
-            <a:pPr algn="ctr"/>
-            <a:r>
-              <a:rPr lang="pt-BR" dirty="0" smtClean="0"/>
-              <a:t>Recuperador RAS</a:t>
-            </a:r>
-            <a:endParaRPr lang="pt-BR" dirty="0"/>
-          </a:p>
-        </p:txBody>
-      </p:sp>
-      <p:sp>
-        <p:nvSpPr>
-          <p:cNvPr id="7" name="Retângulo de cantos arredondados 6"/>
-          <p:cNvSpPr/>
-          <p:nvPr/>
-        </p:nvSpPr>
-        <p:spPr>
-          <a:xfrm>
-            <a:off x="2128824" y="533384"/>
-            <a:ext cx="1785950" cy="2000264"/>
-          </a:xfrm>
-          <a:prstGeom prst="roundRect">
-            <a:avLst/>
-          </a:prstGeom>
-        </p:spPr>
-        <p:style>
-          <a:lnRef idx="0">
-            <a:schemeClr val="accent2"/>
-          </a:lnRef>
-          <a:fillRef idx="3">
-            <a:schemeClr val="accent2"/>
-          </a:fillRef>
-          <a:effectRef idx="3">
-            <a:schemeClr val="accent2"/>
-          </a:effectRef>
-          <a:fontRef idx="minor">
-            <a:schemeClr val="lt1"/>
-          </a:fontRef>
-        </p:style>
-        <p:txBody>
-          <a:bodyPr rtlCol="0" anchor="ctr"/>
-          <a:lstStyle/>
-          <a:p>
-            <a:pPr algn="ctr"/>
-            <a:r>
-              <a:rPr lang="pt-BR" dirty="0" smtClean="0"/>
-              <a:t>Gerador </a:t>
-            </a:r>
-            <a:br>
-              <a:rPr lang="pt-BR" dirty="0" smtClean="0"/>
-            </a:br>
-            <a:r>
-              <a:rPr lang="pt-BR" dirty="0" smtClean="0"/>
-              <a:t>RAS</a:t>
-            </a:r>
-            <a:endParaRPr lang="pt-BR" dirty="0"/>
-          </a:p>
-        </p:txBody>
-      </p:sp>
-      <p:sp>
-        <p:nvSpPr>
-          <p:cNvPr id="8" name="Retângulo de cantos arredondados 7"/>
-          <p:cNvSpPr/>
-          <p:nvPr/>
-        </p:nvSpPr>
-        <p:spPr>
-          <a:xfrm>
-            <a:off x="4105276" y="628650"/>
-            <a:ext cx="1738322" cy="1904997"/>
-          </a:xfrm>
-          <a:prstGeom prst="roundRect">
-            <a:avLst/>
-          </a:prstGeom>
-        </p:spPr>
-        <p:style>
-          <a:lnRef idx="0">
-            <a:schemeClr val="accent3"/>
-          </a:lnRef>
-          <a:fillRef idx="3">
-            <a:schemeClr val="accent3"/>
-          </a:fillRef>
-          <a:effectRef idx="3">
-            <a:schemeClr val="accent3"/>
-          </a:effectRef>
-          <a:fontRef idx="minor">
-            <a:schemeClr val="lt1"/>
-          </a:fontRef>
-        </p:style>
-        <p:txBody>
-          <a:bodyPr rtlCol="0" anchor="ctr"/>
-          <a:lstStyle/>
-          <a:p>
-            <a:pPr algn="ctr"/>
-            <a:r>
-              <a:rPr lang="pt-BR" sz="1600" dirty="0" smtClean="0"/>
-              <a:t>Armazenamento Artefatos RAS</a:t>
-            </a:r>
-            <a:endParaRPr lang="pt-BR" sz="1600" dirty="0"/>
-          </a:p>
-        </p:txBody>
-      </p:sp>
-      <p:sp>
-        <p:nvSpPr>
-          <p:cNvPr id="9" name="Retângulo de cantos arredondados 8"/>
-          <p:cNvSpPr/>
-          <p:nvPr/>
-        </p:nvSpPr>
-        <p:spPr>
-          <a:xfrm>
-            <a:off x="6000750" y="1985954"/>
-            <a:ext cx="2824186" cy="642944"/>
-          </a:xfrm>
-          <a:prstGeom prst="roundRect">
-            <a:avLst/>
-          </a:prstGeom>
-        </p:spPr>
-        <p:style>
-          <a:lnRef idx="0">
-            <a:schemeClr val="accent1"/>
-          </a:lnRef>
-          <a:fillRef idx="3">
-            <a:schemeClr val="accent1"/>
-          </a:fillRef>
-          <a:effectRef idx="3">
-            <a:schemeClr val="accent1"/>
-          </a:effectRef>
-          <a:fontRef idx="minor">
-            <a:schemeClr val="lt1"/>
-          </a:fontRef>
-        </p:style>
-        <p:txBody>
-          <a:bodyPr rtlCol="0" anchor="ctr"/>
-          <a:lstStyle/>
-          <a:p>
-            <a:pPr algn="ctr"/>
-            <a:r>
-              <a:rPr lang="pt-BR" sz="1600" dirty="0" smtClean="0"/>
-              <a:t>Base de Dados</a:t>
-            </a:r>
-            <a:endParaRPr lang="pt-BR" sz="1600" dirty="0"/>
-          </a:p>
-        </p:txBody>
-      </p:sp>
-      <p:sp>
-        <p:nvSpPr>
-          <p:cNvPr id="10" name="Retângulo de cantos arredondados 9"/>
-          <p:cNvSpPr/>
-          <p:nvPr/>
-        </p:nvSpPr>
-        <p:spPr>
-          <a:xfrm>
-            <a:off x="5915026" y="626722"/>
-            <a:ext cx="1371614" cy="1173494"/>
-          </a:xfrm>
-          <a:prstGeom prst="roundRect">
-            <a:avLst/>
-          </a:prstGeom>
-        </p:spPr>
-        <p:style>
-          <a:lnRef idx="0">
-            <a:schemeClr val="accent3"/>
-          </a:lnRef>
-          <a:fillRef idx="3">
-            <a:schemeClr val="accent3"/>
-          </a:fillRef>
-          <a:effectRef idx="3">
-            <a:schemeClr val="accent3"/>
-          </a:effectRef>
-          <a:fontRef idx="minor">
-            <a:schemeClr val="lt1"/>
-          </a:fontRef>
-        </p:style>
-        <p:txBody>
-          <a:bodyPr rtlCol="0" anchor="ctr"/>
-          <a:lstStyle/>
-          <a:p>
-            <a:pPr algn="ctr"/>
-            <a:r>
-              <a:rPr lang="pt-BR" sz="1600" dirty="0" smtClean="0"/>
-              <a:t>Busca Artefatos RAS</a:t>
-            </a:r>
-            <a:endParaRPr lang="pt-BR" sz="1600" dirty="0"/>
-          </a:p>
-        </p:txBody>
-      </p:sp>
-      <p:sp>
-        <p:nvSpPr>
-          <p:cNvPr id="11" name="Retângulo de cantos arredondados 10"/>
-          <p:cNvSpPr/>
-          <p:nvPr/>
-        </p:nvSpPr>
-        <p:spPr>
-          <a:xfrm>
-            <a:off x="7361881" y="626722"/>
-            <a:ext cx="1463055" cy="1173494"/>
-          </a:xfrm>
-          <a:prstGeom prst="roundRect">
-            <a:avLst/>
-          </a:prstGeom>
-        </p:spPr>
-        <p:style>
-          <a:lnRef idx="0">
-            <a:schemeClr val="accent3"/>
-          </a:lnRef>
-          <a:fillRef idx="3">
-            <a:schemeClr val="accent3"/>
-          </a:fillRef>
-          <a:effectRef idx="3">
-            <a:schemeClr val="accent3"/>
-          </a:effectRef>
-          <a:fontRef idx="minor">
-            <a:schemeClr val="lt1"/>
-          </a:fontRef>
-        </p:style>
-        <p:txBody>
-          <a:bodyPr rtlCol="0" anchor="ctr"/>
-          <a:lstStyle/>
-          <a:p>
-            <a:pPr algn="ctr"/>
-            <a:r>
-              <a:rPr lang="pt-BR" sz="1600" dirty="0" smtClean="0"/>
-              <a:t>Recuperação </a:t>
-            </a:r>
-          </a:p>
-          <a:p>
-            <a:pPr algn="ctr"/>
-            <a:r>
-              <a:rPr lang="pt-BR" sz="1600" dirty="0" smtClean="0"/>
-              <a:t>Artefatos RAS</a:t>
-            </a:r>
-            <a:endParaRPr lang="pt-BR" sz="1600" dirty="0"/>
-          </a:p>
-        </p:txBody>
-      </p:sp>
-      <p:sp>
-        <p:nvSpPr>
-          <p:cNvPr id="12" name="Retângulo de cantos arredondados 11"/>
-          <p:cNvSpPr/>
-          <p:nvPr/>
-        </p:nvSpPr>
-        <p:spPr>
-          <a:xfrm>
-            <a:off x="306300" y="4308733"/>
-            <a:ext cx="452440" cy="452440"/>
-          </a:xfrm>
-          <a:prstGeom prst="roundRect">
-            <a:avLst/>
-          </a:prstGeom>
-          <a:ln>
-            <a:prstDash val="dash"/>
-          </a:ln>
-        </p:spPr>
-        <p:style>
-          <a:lnRef idx="0">
-            <a:schemeClr val="accent3"/>
-          </a:lnRef>
-          <a:fillRef idx="3">
-            <a:schemeClr val="accent3"/>
-          </a:fillRef>
-          <a:effectRef idx="3">
-            <a:schemeClr val="accent3"/>
-          </a:effectRef>
-          <a:fontRef idx="minor">
-            <a:schemeClr val="lt1"/>
-          </a:fontRef>
-        </p:style>
-        <p:txBody>
-          <a:bodyPr rtlCol="0" anchor="ctr"/>
-          <a:lstStyle/>
-          <a:p>
-            <a:pPr algn="ctr"/>
-            <a:endParaRPr lang="pt-BR"/>
-          </a:p>
-        </p:txBody>
-      </p:sp>
-      <p:sp>
-        <p:nvSpPr>
-          <p:cNvPr id="13" name="CaixaDeTexto 12"/>
-          <p:cNvSpPr txBox="1"/>
-          <p:nvPr/>
-        </p:nvSpPr>
-        <p:spPr>
-          <a:xfrm>
-            <a:off x="815890" y="4383840"/>
-            <a:ext cx="2146421" cy="369332"/>
-          </a:xfrm>
-          <a:prstGeom prst="rect">
-            <a:avLst/>
-          </a:prstGeom>
-          <a:noFill/>
-        </p:spPr>
-        <p:txBody>
-          <a:bodyPr wrap="none" rtlCol="0">
-            <a:spAutoFit/>
-          </a:bodyPr>
-          <a:lstStyle/>
-          <a:p>
-            <a:r>
-              <a:rPr lang="pt-BR" dirty="0" smtClean="0"/>
-              <a:t>Escopo do RASPUTIN</a:t>
-            </a:r>
-            <a:endParaRPr lang="pt-BR" dirty="0"/>
-          </a:p>
-        </p:txBody>
-      </p:sp>
-      <p:sp>
-        <p:nvSpPr>
-          <p:cNvPr id="14" name="Retângulo de cantos arredondados 13"/>
-          <p:cNvSpPr/>
-          <p:nvPr/>
-        </p:nvSpPr>
-        <p:spPr>
-          <a:xfrm>
-            <a:off x="236220" y="4227957"/>
-            <a:ext cx="582930" cy="597408"/>
-          </a:xfrm>
-          <a:prstGeom prst="roundRect">
-            <a:avLst/>
-          </a:prstGeom>
-          <a:noFill/>
-          <a:ln>
-            <a:solidFill>
-              <a:schemeClr val="tx1"/>
-            </a:solidFill>
-            <a:prstDash val="dash"/>
-          </a:ln>
-        </p:spPr>
-        <p:style>
-          <a:lnRef idx="2">
-            <a:schemeClr val="accent1"/>
-          </a:lnRef>
-          <a:fillRef idx="1">
-            <a:schemeClr val="lt1"/>
-          </a:fillRef>
-          <a:effectRef idx="0">
-            <a:schemeClr val="accent1"/>
-          </a:effectRef>
-          <a:fontRef idx="minor">
-            <a:schemeClr val="dk1"/>
-          </a:fontRef>
-        </p:style>
-        <p:txBody>
-          <a:bodyPr rtlCol="0" anchor="ctr"/>
-          <a:lstStyle/>
-          <a:p>
-            <a:pPr algn="ctr"/>
-            <a:endParaRPr lang="pt-BR"/>
-          </a:p>
-        </p:txBody>
-      </p:sp>
-      <p:sp>
-        <p:nvSpPr>
-          <p:cNvPr id="16" name="Forma livre 15"/>
-          <p:cNvSpPr/>
-          <p:nvPr/>
-        </p:nvSpPr>
-        <p:spPr>
-          <a:xfrm>
-            <a:off x="4010025" y="542925"/>
-            <a:ext cx="4876800" cy="2057400"/>
-          </a:xfrm>
-          <a:custGeom>
-            <a:avLst/>
-            <a:gdLst>
-              <a:gd name="connsiteX0" fmla="*/ 0 w 4876800"/>
-              <a:gd name="connsiteY0" fmla="*/ 0 h 2057400"/>
-              <a:gd name="connsiteX1" fmla="*/ 4876800 w 4876800"/>
-              <a:gd name="connsiteY1" fmla="*/ 9525 h 2057400"/>
-              <a:gd name="connsiteX2" fmla="*/ 4876800 w 4876800"/>
-              <a:gd name="connsiteY2" fmla="*/ 1343025 h 2057400"/>
-              <a:gd name="connsiteX3" fmla="*/ 1885950 w 4876800"/>
-              <a:gd name="connsiteY3" fmla="*/ 1343025 h 2057400"/>
-              <a:gd name="connsiteX4" fmla="*/ 1885950 w 4876800"/>
-              <a:gd name="connsiteY4" fmla="*/ 2057400 h 2057400"/>
-              <a:gd name="connsiteX5" fmla="*/ 38100 w 4876800"/>
-              <a:gd name="connsiteY5" fmla="*/ 2057400 h 2057400"/>
-              <a:gd name="connsiteX6" fmla="*/ 0 w 4876800"/>
-              <a:gd name="connsiteY6" fmla="*/ 0 h 2057400"/>
-            </a:gdLst>
-            <a:ahLst/>
-            <a:cxnLst>
-              <a:cxn ang="0">
-                <a:pos x="connsiteX0" y="connsiteY0"/>
-              </a:cxn>
-              <a:cxn ang="0">
-                <a:pos x="connsiteX1" y="connsiteY1"/>
-              </a:cxn>
-              <a:cxn ang="0">
-                <a:pos x="connsiteX2" y="connsiteY2"/>
-              </a:cxn>
-              <a:cxn ang="0">
-                <a:pos x="connsiteX3" y="connsiteY3"/>
-              </a:cxn>
-              <a:cxn ang="0">
-                <a:pos x="connsiteX4" y="connsiteY4"/>
-              </a:cxn>
-              <a:cxn ang="0">
-                <a:pos x="connsiteX5" y="connsiteY5"/>
-              </a:cxn>
-              <a:cxn ang="0">
-                <a:pos x="connsiteX6" y="connsiteY6"/>
-              </a:cxn>
-            </a:cxnLst>
-            <a:rect l="l" t="t" r="r" b="b"/>
-            <a:pathLst>
-              <a:path w="4876800" h="2057400">
-                <a:moveTo>
-                  <a:pt x="0" y="0"/>
-                </a:moveTo>
-                <a:lnTo>
-                  <a:pt x="4876800" y="9525"/>
-                </a:lnTo>
-                <a:lnTo>
-                  <a:pt x="4876800" y="1343025"/>
-                </a:lnTo>
-                <a:lnTo>
-                  <a:pt x="1885950" y="1343025"/>
-                </a:lnTo>
-                <a:lnTo>
-                  <a:pt x="1885950" y="2057400"/>
-                </a:lnTo>
-                <a:lnTo>
-                  <a:pt x="38100" y="2057400"/>
-                </a:lnTo>
-                <a:lnTo>
-                  <a:pt x="0" y="0"/>
-                </a:lnTo>
-                <a:close/>
-              </a:path>
-            </a:pathLst>
-          </a:custGeom>
-          <a:noFill/>
-          <a:ln>
-            <a:solidFill>
-              <a:schemeClr val="tx1"/>
-            </a:solidFill>
-            <a:prstDash val="dash"/>
-          </a:ln>
-        </p:spPr>
-        <p:style>
-          <a:lnRef idx="2">
-            <a:schemeClr val="accent6"/>
-          </a:lnRef>
-          <a:fillRef idx="1">
-            <a:schemeClr val="lt1"/>
-          </a:fillRef>
-          <a:effectRef idx="0">
-            <a:schemeClr val="accent6"/>
-          </a:effectRef>
-          <a:fontRef idx="minor">
-            <a:schemeClr val="dk1"/>
-          </a:fontRef>
-        </p:style>
-        <p:txBody>
-          <a:bodyPr rtlCol="0" anchor="ctr"/>
-          <a:lstStyle/>
-          <a:p>
-            <a:pPr algn="ctr"/>
-            <a:endParaRPr lang="pt-BR"/>
-          </a:p>
-        </p:txBody>
-      </p:sp>
+        </p:grpSpPr>
+        <p:sp>
+          <p:nvSpPr>
+            <p:cNvPr id="3" name="Retângulo 2"/>
+            <p:cNvSpPr/>
+            <p:nvPr/>
+          </p:nvSpPr>
+          <p:spPr>
+            <a:xfrm>
+              <a:off x="228576" y="2709858"/>
+              <a:ext cx="3710008" cy="1447808"/>
+            </a:xfrm>
+            <a:prstGeom prst="rect">
+              <a:avLst/>
+            </a:prstGeom>
+          </p:spPr>
+          <p:style>
+            <a:lnRef idx="0">
+              <a:schemeClr val="accent2"/>
+            </a:lnRef>
+            <a:fillRef idx="3">
+              <a:schemeClr val="accent2"/>
+            </a:fillRef>
+            <a:effectRef idx="3">
+              <a:schemeClr val="accent2"/>
+            </a:effectRef>
+            <a:fontRef idx="minor">
+              <a:schemeClr val="lt1"/>
+            </a:fontRef>
+          </p:style>
+          <p:txBody>
+            <a:bodyPr rtlCol="0" anchor="ctr"/>
+            <a:lstStyle/>
+            <a:p>
+              <a:pPr algn="ctr"/>
+              <a:r>
+                <a:rPr lang="pt-BR" dirty="0" smtClean="0"/>
+                <a:t>Contexto do Ator do Reuso </a:t>
+              </a:r>
+              <a:br>
+                <a:rPr lang="pt-BR" dirty="0" smtClean="0"/>
+              </a:br>
+              <a:r>
+                <a:rPr lang="pt-BR" dirty="0" smtClean="0"/>
+                <a:t>(produtor ou consumidor)</a:t>
+              </a:r>
+              <a:endParaRPr lang="pt-BR" dirty="0"/>
+            </a:p>
+          </p:txBody>
+        </p:sp>
+        <p:sp>
+          <p:nvSpPr>
+            <p:cNvPr id="4" name="Retângulo 3"/>
+            <p:cNvSpPr/>
+            <p:nvPr/>
+          </p:nvSpPr>
+          <p:spPr>
+            <a:xfrm>
+              <a:off x="4029072" y="2709858"/>
+              <a:ext cx="4795864" cy="1447808"/>
+            </a:xfrm>
+            <a:prstGeom prst="rect">
+              <a:avLst/>
+            </a:prstGeom>
+          </p:spPr>
+          <p:style>
+            <a:lnRef idx="0">
+              <a:schemeClr val="accent1"/>
+            </a:lnRef>
+            <a:fillRef idx="3">
+              <a:schemeClr val="accent1"/>
+            </a:fillRef>
+            <a:effectRef idx="3">
+              <a:schemeClr val="accent1"/>
+            </a:effectRef>
+            <a:fontRef idx="minor">
+              <a:schemeClr val="lt1"/>
+            </a:fontRef>
+          </p:style>
+          <p:txBody>
+            <a:bodyPr rtlCol="0" anchor="ctr"/>
+            <a:lstStyle/>
+            <a:p>
+              <a:pPr algn="ctr"/>
+              <a:r>
+                <a:rPr lang="pt-BR" dirty="0" smtClean="0"/>
+                <a:t>Contexto do </a:t>
+              </a:r>
+              <a:br>
+                <a:rPr lang="pt-BR" dirty="0" smtClean="0"/>
+              </a:br>
+              <a:r>
+                <a:rPr lang="pt-BR" dirty="0" smtClean="0"/>
+                <a:t>Repositório de Reuso</a:t>
+              </a:r>
+              <a:endParaRPr lang="pt-BR" dirty="0"/>
+            </a:p>
+          </p:txBody>
+        </p:sp>
+        <p:sp>
+          <p:nvSpPr>
+            <p:cNvPr id="6" name="Retângulo de cantos arredondados 5"/>
+            <p:cNvSpPr/>
+            <p:nvPr/>
+          </p:nvSpPr>
+          <p:spPr>
+            <a:xfrm>
+              <a:off x="228576" y="533384"/>
+              <a:ext cx="1785950" cy="2000264"/>
+            </a:xfrm>
+            <a:prstGeom prst="roundRect">
+              <a:avLst/>
+            </a:prstGeom>
+          </p:spPr>
+          <p:style>
+            <a:lnRef idx="0">
+              <a:schemeClr val="accent2"/>
+            </a:lnRef>
+            <a:fillRef idx="3">
+              <a:schemeClr val="accent2"/>
+            </a:fillRef>
+            <a:effectRef idx="3">
+              <a:schemeClr val="accent2"/>
+            </a:effectRef>
+            <a:fontRef idx="minor">
+              <a:schemeClr val="lt1"/>
+            </a:fontRef>
+          </p:style>
+          <p:txBody>
+            <a:bodyPr rtlCol="0" anchor="ctr"/>
+            <a:lstStyle/>
+            <a:p>
+              <a:pPr algn="ctr"/>
+              <a:r>
+                <a:rPr lang="pt-BR" dirty="0" smtClean="0"/>
+                <a:t>Recuperador RAS</a:t>
+              </a:r>
+              <a:endParaRPr lang="pt-BR" dirty="0"/>
+            </a:p>
+          </p:txBody>
+        </p:sp>
+        <p:sp>
+          <p:nvSpPr>
+            <p:cNvPr id="7" name="Retângulo de cantos arredondados 6"/>
+            <p:cNvSpPr/>
+            <p:nvPr/>
+          </p:nvSpPr>
+          <p:spPr>
+            <a:xfrm>
+              <a:off x="2128824" y="533384"/>
+              <a:ext cx="1785950" cy="2000264"/>
+            </a:xfrm>
+            <a:prstGeom prst="roundRect">
+              <a:avLst/>
+            </a:prstGeom>
+          </p:spPr>
+          <p:style>
+            <a:lnRef idx="0">
+              <a:schemeClr val="accent2"/>
+            </a:lnRef>
+            <a:fillRef idx="3">
+              <a:schemeClr val="accent2"/>
+            </a:fillRef>
+            <a:effectRef idx="3">
+              <a:schemeClr val="accent2"/>
+            </a:effectRef>
+            <a:fontRef idx="minor">
+              <a:schemeClr val="lt1"/>
+            </a:fontRef>
+          </p:style>
+          <p:txBody>
+            <a:bodyPr rtlCol="0" anchor="ctr"/>
+            <a:lstStyle/>
+            <a:p>
+              <a:pPr algn="ctr"/>
+              <a:r>
+                <a:rPr lang="pt-BR" dirty="0" smtClean="0"/>
+                <a:t>Gerador </a:t>
+              </a:r>
+              <a:br>
+                <a:rPr lang="pt-BR" dirty="0" smtClean="0"/>
+              </a:br>
+              <a:r>
+                <a:rPr lang="pt-BR" dirty="0" smtClean="0"/>
+                <a:t>RAS</a:t>
+              </a:r>
+              <a:endParaRPr lang="pt-BR" dirty="0"/>
+            </a:p>
+          </p:txBody>
+        </p:sp>
+        <p:sp>
+          <p:nvSpPr>
+            <p:cNvPr id="8" name="Retângulo de cantos arredondados 7"/>
+            <p:cNvSpPr/>
+            <p:nvPr/>
+          </p:nvSpPr>
+          <p:spPr>
+            <a:xfrm>
+              <a:off x="4105276" y="628650"/>
+              <a:ext cx="1738322" cy="1904997"/>
+            </a:xfrm>
+            <a:prstGeom prst="roundRect">
+              <a:avLst/>
+            </a:prstGeom>
+          </p:spPr>
+          <p:style>
+            <a:lnRef idx="0">
+              <a:schemeClr val="accent3"/>
+            </a:lnRef>
+            <a:fillRef idx="3">
+              <a:schemeClr val="accent3"/>
+            </a:fillRef>
+            <a:effectRef idx="3">
+              <a:schemeClr val="accent3"/>
+            </a:effectRef>
+            <a:fontRef idx="minor">
+              <a:schemeClr val="lt1"/>
+            </a:fontRef>
+          </p:style>
+          <p:txBody>
+            <a:bodyPr rtlCol="0" anchor="ctr"/>
+            <a:lstStyle/>
+            <a:p>
+              <a:pPr algn="ctr"/>
+              <a:r>
+                <a:rPr lang="pt-BR" sz="1600" dirty="0" smtClean="0"/>
+                <a:t>Armazenamento Artefatos RAS</a:t>
+              </a:r>
+              <a:endParaRPr lang="pt-BR" sz="1600" dirty="0"/>
+            </a:p>
+          </p:txBody>
+        </p:sp>
+        <p:sp>
+          <p:nvSpPr>
+            <p:cNvPr id="9" name="Retângulo de cantos arredondados 8"/>
+            <p:cNvSpPr/>
+            <p:nvPr/>
+          </p:nvSpPr>
+          <p:spPr>
+            <a:xfrm>
+              <a:off x="6000750" y="1985954"/>
+              <a:ext cx="2824186" cy="642944"/>
+            </a:xfrm>
+            <a:prstGeom prst="roundRect">
+              <a:avLst/>
+            </a:prstGeom>
+          </p:spPr>
+          <p:style>
+            <a:lnRef idx="0">
+              <a:schemeClr val="accent1"/>
+            </a:lnRef>
+            <a:fillRef idx="3">
+              <a:schemeClr val="accent1"/>
+            </a:fillRef>
+            <a:effectRef idx="3">
+              <a:schemeClr val="accent1"/>
+            </a:effectRef>
+            <a:fontRef idx="minor">
+              <a:schemeClr val="lt1"/>
+            </a:fontRef>
+          </p:style>
+          <p:txBody>
+            <a:bodyPr rtlCol="0" anchor="ctr"/>
+            <a:lstStyle/>
+            <a:p>
+              <a:pPr algn="ctr"/>
+              <a:r>
+                <a:rPr lang="pt-BR" sz="1600" dirty="0" smtClean="0"/>
+                <a:t>Base de Dados</a:t>
+              </a:r>
+              <a:endParaRPr lang="pt-BR" sz="1600" dirty="0"/>
+            </a:p>
+          </p:txBody>
+        </p:sp>
+        <p:sp>
+          <p:nvSpPr>
+            <p:cNvPr id="10" name="Retângulo de cantos arredondados 9"/>
+            <p:cNvSpPr/>
+            <p:nvPr/>
+          </p:nvSpPr>
+          <p:spPr>
+            <a:xfrm>
+              <a:off x="5915026" y="626722"/>
+              <a:ext cx="1371614" cy="1173494"/>
+            </a:xfrm>
+            <a:prstGeom prst="roundRect">
+              <a:avLst/>
+            </a:prstGeom>
+          </p:spPr>
+          <p:style>
+            <a:lnRef idx="0">
+              <a:schemeClr val="accent3"/>
+            </a:lnRef>
+            <a:fillRef idx="3">
+              <a:schemeClr val="accent3"/>
+            </a:fillRef>
+            <a:effectRef idx="3">
+              <a:schemeClr val="accent3"/>
+            </a:effectRef>
+            <a:fontRef idx="minor">
+              <a:schemeClr val="lt1"/>
+            </a:fontRef>
+          </p:style>
+          <p:txBody>
+            <a:bodyPr rtlCol="0" anchor="ctr"/>
+            <a:lstStyle/>
+            <a:p>
+              <a:pPr algn="ctr"/>
+              <a:r>
+                <a:rPr lang="pt-BR" sz="1600" dirty="0" smtClean="0"/>
+                <a:t>Busca Artefatos RAS</a:t>
+              </a:r>
+              <a:endParaRPr lang="pt-BR" sz="1600" dirty="0"/>
+            </a:p>
+          </p:txBody>
+        </p:sp>
+        <p:sp>
+          <p:nvSpPr>
+            <p:cNvPr id="11" name="Retângulo de cantos arredondados 10"/>
+            <p:cNvSpPr/>
+            <p:nvPr/>
+          </p:nvSpPr>
+          <p:spPr>
+            <a:xfrm>
+              <a:off x="7361881" y="626722"/>
+              <a:ext cx="1463055" cy="1173494"/>
+            </a:xfrm>
+            <a:prstGeom prst="roundRect">
+              <a:avLst/>
+            </a:prstGeom>
+          </p:spPr>
+          <p:style>
+            <a:lnRef idx="0">
+              <a:schemeClr val="accent3"/>
+            </a:lnRef>
+            <a:fillRef idx="3">
+              <a:schemeClr val="accent3"/>
+            </a:fillRef>
+            <a:effectRef idx="3">
+              <a:schemeClr val="accent3"/>
+            </a:effectRef>
+            <a:fontRef idx="minor">
+              <a:schemeClr val="lt1"/>
+            </a:fontRef>
+          </p:style>
+          <p:txBody>
+            <a:bodyPr rtlCol="0" anchor="ctr"/>
+            <a:lstStyle/>
+            <a:p>
+              <a:pPr algn="ctr"/>
+              <a:r>
+                <a:rPr lang="pt-BR" sz="1600" dirty="0" smtClean="0"/>
+                <a:t>Recuperação </a:t>
+              </a:r>
+            </a:p>
+            <a:p>
+              <a:pPr algn="ctr"/>
+              <a:r>
+                <a:rPr lang="pt-BR" sz="1600" dirty="0" smtClean="0"/>
+                <a:t>Artefatos RAS</a:t>
+              </a:r>
+              <a:endParaRPr lang="pt-BR" sz="1600" dirty="0"/>
+            </a:p>
+          </p:txBody>
+        </p:sp>
+        <p:sp>
+          <p:nvSpPr>
+            <p:cNvPr id="12" name="Retângulo de cantos arredondados 11"/>
+            <p:cNvSpPr/>
+            <p:nvPr/>
+          </p:nvSpPr>
+          <p:spPr>
+            <a:xfrm>
+              <a:off x="306300" y="4308733"/>
+              <a:ext cx="452440" cy="452440"/>
+            </a:xfrm>
+            <a:prstGeom prst="roundRect">
+              <a:avLst/>
+            </a:prstGeom>
+            <a:ln>
+              <a:prstDash val="dash"/>
+            </a:ln>
+          </p:spPr>
+          <p:style>
+            <a:lnRef idx="0">
+              <a:schemeClr val="accent3"/>
+            </a:lnRef>
+            <a:fillRef idx="3">
+              <a:schemeClr val="accent3"/>
+            </a:fillRef>
+            <a:effectRef idx="3">
+              <a:schemeClr val="accent3"/>
+            </a:effectRef>
+            <a:fontRef idx="minor">
+              <a:schemeClr val="lt1"/>
+            </a:fontRef>
+          </p:style>
+          <p:txBody>
+            <a:bodyPr rtlCol="0" anchor="ctr"/>
+            <a:lstStyle/>
+            <a:p>
+              <a:pPr algn="ctr"/>
+              <a:endParaRPr lang="pt-BR"/>
+            </a:p>
+          </p:txBody>
+        </p:sp>
+        <p:sp>
+          <p:nvSpPr>
+            <p:cNvPr id="13" name="CaixaDeTexto 12"/>
+            <p:cNvSpPr txBox="1"/>
+            <p:nvPr/>
+          </p:nvSpPr>
+          <p:spPr>
+            <a:xfrm>
+              <a:off x="815890" y="4383840"/>
+              <a:ext cx="2146421" cy="369332"/>
+            </a:xfrm>
+            <a:prstGeom prst="rect">
+              <a:avLst/>
+            </a:prstGeom>
+            <a:noFill/>
+          </p:spPr>
+          <p:txBody>
+            <a:bodyPr wrap="none" rtlCol="0">
+              <a:spAutoFit/>
+            </a:bodyPr>
+            <a:lstStyle/>
+            <a:p>
+              <a:r>
+                <a:rPr lang="pt-BR" dirty="0" smtClean="0"/>
+                <a:t>Escopo do RASPUTIN</a:t>
+              </a:r>
+              <a:endParaRPr lang="pt-BR" dirty="0"/>
+            </a:p>
+          </p:txBody>
+        </p:sp>
+        <p:sp>
+          <p:nvSpPr>
+            <p:cNvPr id="14" name="Retângulo de cantos arredondados 13"/>
+            <p:cNvSpPr/>
+            <p:nvPr/>
+          </p:nvSpPr>
+          <p:spPr>
+            <a:xfrm>
+              <a:off x="236220" y="4227957"/>
+              <a:ext cx="582930" cy="597408"/>
+            </a:xfrm>
+            <a:prstGeom prst="roundRect">
+              <a:avLst/>
+            </a:prstGeom>
+            <a:noFill/>
+            <a:ln>
+              <a:solidFill>
+                <a:schemeClr val="tx1"/>
+              </a:solidFill>
+              <a:prstDash val="dash"/>
+            </a:ln>
+          </p:spPr>
+          <p:style>
+            <a:lnRef idx="2">
+              <a:schemeClr val="accent1"/>
+            </a:lnRef>
+            <a:fillRef idx="1">
+              <a:schemeClr val="lt1"/>
+            </a:fillRef>
+            <a:effectRef idx="0">
+              <a:schemeClr val="accent1"/>
+            </a:effectRef>
+            <a:fontRef idx="minor">
+              <a:schemeClr val="dk1"/>
+            </a:fontRef>
+          </p:style>
+          <p:txBody>
+            <a:bodyPr rtlCol="0" anchor="ctr"/>
+            <a:lstStyle/>
+            <a:p>
+              <a:pPr algn="ctr"/>
+              <a:endParaRPr lang="pt-BR"/>
+            </a:p>
+          </p:txBody>
+        </p:sp>
+        <p:sp>
+          <p:nvSpPr>
+            <p:cNvPr id="16" name="Forma livre 15"/>
+            <p:cNvSpPr/>
+            <p:nvPr/>
+          </p:nvSpPr>
+          <p:spPr>
+            <a:xfrm>
+              <a:off x="4010025" y="542925"/>
+              <a:ext cx="4876800" cy="2057400"/>
+            </a:xfrm>
+            <a:custGeom>
+              <a:avLst/>
+              <a:gdLst>
+                <a:gd name="connsiteX0" fmla="*/ 0 w 4876800"/>
+                <a:gd name="connsiteY0" fmla="*/ 0 h 2057400"/>
+                <a:gd name="connsiteX1" fmla="*/ 4876800 w 4876800"/>
+                <a:gd name="connsiteY1" fmla="*/ 9525 h 2057400"/>
+                <a:gd name="connsiteX2" fmla="*/ 4876800 w 4876800"/>
+                <a:gd name="connsiteY2" fmla="*/ 1343025 h 2057400"/>
+                <a:gd name="connsiteX3" fmla="*/ 1885950 w 4876800"/>
+                <a:gd name="connsiteY3" fmla="*/ 1343025 h 2057400"/>
+                <a:gd name="connsiteX4" fmla="*/ 1885950 w 4876800"/>
+                <a:gd name="connsiteY4" fmla="*/ 2057400 h 2057400"/>
+                <a:gd name="connsiteX5" fmla="*/ 38100 w 4876800"/>
+                <a:gd name="connsiteY5" fmla="*/ 2057400 h 2057400"/>
+                <a:gd name="connsiteX6" fmla="*/ 0 w 4876800"/>
+                <a:gd name="connsiteY6" fmla="*/ 0 h 2057400"/>
+              </a:gdLst>
+              <a:ahLst/>
+              <a:cxnLst>
+                <a:cxn ang="0">
+                  <a:pos x="connsiteX0" y="connsiteY0"/>
+                </a:cxn>
+                <a:cxn ang="0">
+                  <a:pos x="connsiteX1" y="connsiteY1"/>
+                </a:cxn>
+                <a:cxn ang="0">
+                  <a:pos x="connsiteX2" y="connsiteY2"/>
+                </a:cxn>
+                <a:cxn ang="0">
+                  <a:pos x="connsiteX3" y="connsiteY3"/>
+                </a:cxn>
+                <a:cxn ang="0">
+                  <a:pos x="connsiteX4" y="connsiteY4"/>
+                </a:cxn>
+                <a:cxn ang="0">
+                  <a:pos x="connsiteX5" y="connsiteY5"/>
+                </a:cxn>
+                <a:cxn ang="0">
+                  <a:pos x="connsiteX6" y="connsiteY6"/>
+                </a:cxn>
+              </a:cxnLst>
+              <a:rect l="l" t="t" r="r" b="b"/>
+              <a:pathLst>
+                <a:path w="4876800" h="2057400">
+                  <a:moveTo>
+                    <a:pt x="0" y="0"/>
+                  </a:moveTo>
+                  <a:lnTo>
+                    <a:pt x="4876800" y="9525"/>
+                  </a:lnTo>
+                  <a:lnTo>
+                    <a:pt x="4876800" y="1343025"/>
+                  </a:lnTo>
+                  <a:lnTo>
+                    <a:pt x="1885950" y="1343025"/>
+                  </a:lnTo>
+                  <a:lnTo>
+                    <a:pt x="1885950" y="2057400"/>
+                  </a:lnTo>
+                  <a:lnTo>
+                    <a:pt x="38100" y="2057400"/>
+                  </a:lnTo>
+                  <a:lnTo>
+                    <a:pt x="0" y="0"/>
+                  </a:lnTo>
+                  <a:close/>
+                </a:path>
+              </a:pathLst>
+            </a:custGeom>
+            <a:noFill/>
+            <a:ln>
+              <a:solidFill>
+                <a:schemeClr val="tx1"/>
+              </a:solidFill>
+              <a:prstDash val="dash"/>
+            </a:ln>
+          </p:spPr>
+          <p:style>
+            <a:lnRef idx="2">
+              <a:schemeClr val="accent6"/>
+            </a:lnRef>
+            <a:fillRef idx="1">
+              <a:schemeClr val="lt1"/>
+            </a:fillRef>
+            <a:effectRef idx="0">
+              <a:schemeClr val="accent6"/>
+            </a:effectRef>
+            <a:fontRef idx="minor">
+              <a:schemeClr val="dk1"/>
+            </a:fontRef>
+          </p:style>
+          <p:txBody>
+            <a:bodyPr rtlCol="0" anchor="ctr"/>
+            <a:lstStyle/>
+            <a:p>
+              <a:pPr algn="ctr"/>
+              <a:endParaRPr lang="pt-BR"/>
+            </a:p>
+          </p:txBody>
+        </p:sp>
+      </p:grpSp>
     </p:spTree>
   </p:cSld>
   <p:clrMapOvr>
@@ -10087,7 +10464,7 @@
 </p:sld>
 </file>
 
-<file path=ppt/slides/slide4.xml><?xml version="1.0" encoding="utf-8"?>
+<file path=ppt/slides/slide5.xml><?xml version="1.0" encoding="utf-8"?>
 <p:sld xmlns:a="http://schemas.openxmlformats.org/drawingml/2006/main" xmlns:r="http://schemas.openxmlformats.org/officeDocument/2006/relationships" xmlns:p="http://schemas.openxmlformats.org/presentationml/2006/main">
   <p:cSld>
     <p:spTree>
@@ -10479,6 +10856,546 @@
               <a:t>Artefato</a:t>
             </a:r>
             <a:endParaRPr lang="pt-BR" dirty="0"/>
+          </a:p>
+        </p:txBody>
+      </p:sp>
+    </p:spTree>
+  </p:cSld>
+  <p:clrMapOvr>
+    <a:masterClrMapping/>
+  </p:clrMapOvr>
+</p:sld>
+</file>
+
+<file path=ppt/slides/slide6.xml><?xml version="1.0" encoding="utf-8"?>
+<p:sld xmlns:a="http://schemas.openxmlformats.org/drawingml/2006/main" xmlns:r="http://schemas.openxmlformats.org/officeDocument/2006/relationships" xmlns:p="http://schemas.openxmlformats.org/presentationml/2006/main">
+  <p:cSld>
+    <p:spTree>
+      <p:nvGrpSpPr>
+        <p:cNvPr id="1" name=""/>
+        <p:cNvGrpSpPr/>
+        <p:nvPr/>
+      </p:nvGrpSpPr>
+      <p:grpSpPr>
+        <a:xfrm>
+          <a:off x="0" y="0"/>
+          <a:ext cx="0" cy="0"/>
+          <a:chOff x="0" y="0"/>
+          <a:chExt cx="0" cy="0"/>
+        </a:xfrm>
+      </p:grpSpPr>
+      <p:sp>
+        <p:nvSpPr>
+          <p:cNvPr id="2" name="Rounded Rectangle 1"/>
+          <p:cNvSpPr/>
+          <p:nvPr/>
+        </p:nvSpPr>
+        <p:spPr>
+          <a:xfrm>
+            <a:off x="400021" y="1495412"/>
+            <a:ext cx="7500990" cy="4929222"/>
+          </a:xfrm>
+          <a:prstGeom prst="roundRect">
+            <a:avLst/>
+          </a:prstGeom>
+        </p:spPr>
+        <p:style>
+          <a:lnRef idx="2">
+            <a:schemeClr val="accent6"/>
+          </a:lnRef>
+          <a:fillRef idx="1">
+            <a:schemeClr val="lt1"/>
+          </a:fillRef>
+          <a:effectRef idx="0">
+            <a:schemeClr val="accent6"/>
+          </a:effectRef>
+          <a:fontRef idx="minor">
+            <a:schemeClr val="dk1"/>
+          </a:fontRef>
+        </p:style>
+        <p:txBody>
+          <a:bodyPr rtlCol="0" anchor="ctr"/>
+          <a:lstStyle/>
+          <a:p>
+            <a:pPr algn="ctr"/>
+            <a:endParaRPr lang="pt-BR"/>
+          </a:p>
+        </p:txBody>
+      </p:sp>
+      <p:sp>
+        <p:nvSpPr>
+          <p:cNvPr id="4" name="Retângulo 2"/>
+          <p:cNvSpPr/>
+          <p:nvPr/>
+        </p:nvSpPr>
+        <p:spPr>
+          <a:xfrm>
+            <a:off x="412726" y="4691058"/>
+            <a:ext cx="2880000" cy="1080000"/>
+          </a:xfrm>
+          <a:prstGeom prst="rect">
+            <a:avLst/>
+          </a:prstGeom>
+        </p:spPr>
+        <p:style>
+          <a:lnRef idx="0">
+            <a:schemeClr val="accent2"/>
+          </a:lnRef>
+          <a:fillRef idx="3">
+            <a:schemeClr val="accent2"/>
+          </a:fillRef>
+          <a:effectRef idx="3">
+            <a:schemeClr val="accent2"/>
+          </a:effectRef>
+          <a:fontRef idx="minor">
+            <a:schemeClr val="lt1"/>
+          </a:fontRef>
+        </p:style>
+        <p:txBody>
+          <a:bodyPr rtlCol="0" anchor="ctr"/>
+          <a:lstStyle/>
+          <a:p>
+            <a:pPr algn="ctr"/>
+            <a:r>
+              <a:rPr lang="pt-BR" dirty="0" smtClean="0"/>
+              <a:t>Contexto do Ator do Reuso </a:t>
+            </a:r>
+            <a:br>
+              <a:rPr lang="pt-BR" dirty="0" smtClean="0"/>
+            </a:br>
+            <a:r>
+              <a:rPr lang="pt-BR" dirty="0" smtClean="0"/>
+              <a:t>(produtor ou consumidor)</a:t>
+            </a:r>
+            <a:endParaRPr lang="pt-BR" dirty="0"/>
+          </a:p>
+        </p:txBody>
+      </p:sp>
+      <p:sp>
+        <p:nvSpPr>
+          <p:cNvPr id="5" name="Retângulo 3"/>
+          <p:cNvSpPr/>
+          <p:nvPr/>
+        </p:nvSpPr>
+        <p:spPr>
+          <a:xfrm>
+            <a:off x="3298822" y="4689470"/>
+            <a:ext cx="4572000" cy="1080000"/>
+          </a:xfrm>
+          <a:prstGeom prst="rect">
+            <a:avLst/>
+          </a:prstGeom>
+        </p:spPr>
+        <p:style>
+          <a:lnRef idx="0">
+            <a:schemeClr val="accent1"/>
+          </a:lnRef>
+          <a:fillRef idx="3">
+            <a:schemeClr val="accent1"/>
+          </a:fillRef>
+          <a:effectRef idx="3">
+            <a:schemeClr val="accent1"/>
+          </a:effectRef>
+          <a:fontRef idx="minor">
+            <a:schemeClr val="lt1"/>
+          </a:fontRef>
+        </p:style>
+        <p:txBody>
+          <a:bodyPr rtlCol="0" anchor="ctr"/>
+          <a:lstStyle/>
+          <a:p>
+            <a:pPr algn="ctr"/>
+            <a:r>
+              <a:rPr lang="pt-BR" dirty="0" smtClean="0"/>
+              <a:t>Contexto do </a:t>
+            </a:r>
+            <a:br>
+              <a:rPr lang="pt-BR" dirty="0" smtClean="0"/>
+            </a:br>
+            <a:r>
+              <a:rPr lang="pt-BR" dirty="0" smtClean="0"/>
+              <a:t>Repositório de Reuso</a:t>
+            </a:r>
+            <a:endParaRPr lang="pt-BR" dirty="0"/>
+          </a:p>
+        </p:txBody>
+      </p:sp>
+      <p:sp>
+        <p:nvSpPr>
+          <p:cNvPr id="6" name="Retângulo de cantos arredondados 5"/>
+          <p:cNvSpPr/>
+          <p:nvPr/>
+        </p:nvSpPr>
+        <p:spPr>
+          <a:xfrm>
+            <a:off x="419076" y="3238484"/>
+            <a:ext cx="1440000" cy="1440000"/>
+          </a:xfrm>
+          <a:prstGeom prst="roundRect">
+            <a:avLst/>
+          </a:prstGeom>
+        </p:spPr>
+        <p:style>
+          <a:lnRef idx="0">
+            <a:schemeClr val="accent2"/>
+          </a:lnRef>
+          <a:fillRef idx="3">
+            <a:schemeClr val="accent2"/>
+          </a:fillRef>
+          <a:effectRef idx="3">
+            <a:schemeClr val="accent2"/>
+          </a:effectRef>
+          <a:fontRef idx="minor">
+            <a:schemeClr val="lt1"/>
+          </a:fontRef>
+        </p:style>
+        <p:txBody>
+          <a:bodyPr rtlCol="0" anchor="ctr"/>
+          <a:lstStyle/>
+          <a:p>
+            <a:pPr algn="ctr"/>
+            <a:r>
+              <a:rPr lang="pt-BR" sz="1600" dirty="0" smtClean="0"/>
+              <a:t>Recuperador RAS</a:t>
+            </a:r>
+            <a:endParaRPr lang="pt-BR" sz="1600" dirty="0"/>
+          </a:p>
+        </p:txBody>
+      </p:sp>
+      <p:sp>
+        <p:nvSpPr>
+          <p:cNvPr id="7" name="Retângulo de cantos arredondados 6"/>
+          <p:cNvSpPr/>
+          <p:nvPr/>
+        </p:nvSpPr>
+        <p:spPr>
+          <a:xfrm>
+            <a:off x="1852599" y="3238484"/>
+            <a:ext cx="1440000" cy="1440000"/>
+          </a:xfrm>
+          <a:prstGeom prst="roundRect">
+            <a:avLst/>
+          </a:prstGeom>
+        </p:spPr>
+        <p:style>
+          <a:lnRef idx="0">
+            <a:schemeClr val="accent2"/>
+          </a:lnRef>
+          <a:fillRef idx="3">
+            <a:schemeClr val="accent2"/>
+          </a:fillRef>
+          <a:effectRef idx="3">
+            <a:schemeClr val="accent2"/>
+          </a:effectRef>
+          <a:fontRef idx="minor">
+            <a:schemeClr val="lt1"/>
+          </a:fontRef>
+        </p:style>
+        <p:txBody>
+          <a:bodyPr rtlCol="0" anchor="ctr"/>
+          <a:lstStyle/>
+          <a:p>
+            <a:pPr algn="ctr"/>
+            <a:r>
+              <a:rPr lang="pt-BR" sz="1600" dirty="0" smtClean="0"/>
+              <a:t>Gerador </a:t>
+            </a:r>
+            <a:br>
+              <a:rPr lang="pt-BR" sz="1600" dirty="0" smtClean="0"/>
+            </a:br>
+            <a:r>
+              <a:rPr lang="pt-BR" sz="1600" dirty="0" smtClean="0"/>
+              <a:t>RAS</a:t>
+            </a:r>
+            <a:endParaRPr lang="pt-BR" sz="1600" dirty="0"/>
+          </a:p>
+        </p:txBody>
+      </p:sp>
+      <p:sp>
+        <p:nvSpPr>
+          <p:cNvPr id="8" name="Retângulo de cantos arredondados 7"/>
+          <p:cNvSpPr/>
+          <p:nvPr/>
+        </p:nvSpPr>
+        <p:spPr>
+          <a:xfrm>
+            <a:off x="3295650" y="3219450"/>
+            <a:ext cx="1692000" cy="1080000"/>
+          </a:xfrm>
+          <a:prstGeom prst="roundRect">
+            <a:avLst/>
+          </a:prstGeom>
+        </p:spPr>
+        <p:style>
+          <a:lnRef idx="0">
+            <a:schemeClr val="accent3"/>
+          </a:lnRef>
+          <a:fillRef idx="3">
+            <a:schemeClr val="accent3"/>
+          </a:fillRef>
+          <a:effectRef idx="3">
+            <a:schemeClr val="accent3"/>
+          </a:effectRef>
+          <a:fontRef idx="minor">
+            <a:schemeClr val="lt1"/>
+          </a:fontRef>
+        </p:style>
+        <p:txBody>
+          <a:bodyPr rtlCol="0" anchor="ctr"/>
+          <a:lstStyle/>
+          <a:p>
+            <a:pPr algn="ctr"/>
+            <a:r>
+              <a:rPr lang="pt-BR" sz="1600" dirty="0" smtClean="0"/>
+              <a:t>Armazenamento Artefatos RAS</a:t>
+            </a:r>
+            <a:endParaRPr lang="pt-BR" sz="1600" dirty="0"/>
+          </a:p>
+        </p:txBody>
+      </p:sp>
+      <p:sp>
+        <p:nvSpPr>
+          <p:cNvPr id="9" name="Retângulo de cantos arredondados 8"/>
+          <p:cNvSpPr/>
+          <p:nvPr/>
+        </p:nvSpPr>
+        <p:spPr>
+          <a:xfrm>
+            <a:off x="4991098" y="4319579"/>
+            <a:ext cx="2880000" cy="360000"/>
+          </a:xfrm>
+          <a:prstGeom prst="rect">
+            <a:avLst/>
+          </a:prstGeom>
+        </p:spPr>
+        <p:style>
+          <a:lnRef idx="0">
+            <a:schemeClr val="accent1"/>
+          </a:lnRef>
+          <a:fillRef idx="3">
+            <a:schemeClr val="accent1"/>
+          </a:fillRef>
+          <a:effectRef idx="3">
+            <a:schemeClr val="accent1"/>
+          </a:effectRef>
+          <a:fontRef idx="minor">
+            <a:schemeClr val="lt1"/>
+          </a:fontRef>
+        </p:style>
+        <p:txBody>
+          <a:bodyPr rtlCol="0" anchor="ctr"/>
+          <a:lstStyle/>
+          <a:p>
+            <a:pPr algn="ctr"/>
+            <a:r>
+              <a:rPr lang="pt-BR" sz="1600" dirty="0" smtClean="0"/>
+              <a:t>Base de Dados</a:t>
+            </a:r>
+            <a:endParaRPr lang="pt-BR" sz="1600" dirty="0"/>
+          </a:p>
+        </p:txBody>
+      </p:sp>
+      <p:sp>
+        <p:nvSpPr>
+          <p:cNvPr id="10" name="Retângulo de cantos arredondados 9"/>
+          <p:cNvSpPr/>
+          <p:nvPr/>
+        </p:nvSpPr>
+        <p:spPr>
+          <a:xfrm>
+            <a:off x="4991101" y="3227047"/>
+            <a:ext cx="1422000" cy="1080000"/>
+          </a:xfrm>
+          <a:prstGeom prst="roundRect">
+            <a:avLst/>
+          </a:prstGeom>
+        </p:spPr>
+        <p:style>
+          <a:lnRef idx="0">
+            <a:schemeClr val="accent3"/>
+          </a:lnRef>
+          <a:fillRef idx="3">
+            <a:schemeClr val="accent3"/>
+          </a:fillRef>
+          <a:effectRef idx="3">
+            <a:schemeClr val="accent3"/>
+          </a:effectRef>
+          <a:fontRef idx="minor">
+            <a:schemeClr val="lt1"/>
+          </a:fontRef>
+        </p:style>
+        <p:txBody>
+          <a:bodyPr rtlCol="0" anchor="ctr"/>
+          <a:lstStyle/>
+          <a:p>
+            <a:pPr algn="ctr"/>
+            <a:r>
+              <a:rPr lang="pt-BR" sz="1600" dirty="0" smtClean="0"/>
+              <a:t>Busca Artefatos RAS</a:t>
+            </a:r>
+            <a:endParaRPr lang="pt-BR" sz="1600" dirty="0"/>
+          </a:p>
+        </p:txBody>
+      </p:sp>
+      <p:sp>
+        <p:nvSpPr>
+          <p:cNvPr id="11" name="Retângulo de cantos arredondados 10"/>
+          <p:cNvSpPr/>
+          <p:nvPr/>
+        </p:nvSpPr>
+        <p:spPr>
+          <a:xfrm>
+            <a:off x="6418905" y="3227047"/>
+            <a:ext cx="1440000" cy="1080000"/>
+          </a:xfrm>
+          <a:prstGeom prst="roundRect">
+            <a:avLst/>
+          </a:prstGeom>
+        </p:spPr>
+        <p:style>
+          <a:lnRef idx="0">
+            <a:schemeClr val="accent3"/>
+          </a:lnRef>
+          <a:fillRef idx="3">
+            <a:schemeClr val="accent3"/>
+          </a:fillRef>
+          <a:effectRef idx="3">
+            <a:schemeClr val="accent3"/>
+          </a:effectRef>
+          <a:fontRef idx="minor">
+            <a:schemeClr val="lt1"/>
+          </a:fontRef>
+        </p:style>
+        <p:txBody>
+          <a:bodyPr rtlCol="0" anchor="ctr"/>
+          <a:lstStyle/>
+          <a:p>
+            <a:pPr algn="ctr"/>
+            <a:r>
+              <a:rPr lang="pt-BR" sz="1600" dirty="0" smtClean="0"/>
+              <a:t>Recuperação </a:t>
+            </a:r>
+          </a:p>
+          <a:p>
+            <a:pPr algn="ctr"/>
+            <a:r>
+              <a:rPr lang="pt-BR" sz="1600" dirty="0" smtClean="0"/>
+              <a:t>Artefatos RAS</a:t>
+            </a:r>
+            <a:endParaRPr lang="pt-BR" sz="1600" dirty="0"/>
+          </a:p>
+        </p:txBody>
+      </p:sp>
+      <p:sp>
+        <p:nvSpPr>
+          <p:cNvPr id="12" name="Retângulo de cantos arredondados 11"/>
+          <p:cNvSpPr/>
+          <p:nvPr/>
+        </p:nvSpPr>
+        <p:spPr>
+          <a:xfrm>
+            <a:off x="3293340" y="5848608"/>
+            <a:ext cx="452440" cy="452440"/>
+          </a:xfrm>
+          <a:prstGeom prst="roundRect">
+            <a:avLst/>
+          </a:prstGeom>
+          <a:ln>
+            <a:prstDash val="dash"/>
+          </a:ln>
+        </p:spPr>
+        <p:style>
+          <a:lnRef idx="0">
+            <a:schemeClr val="accent3"/>
+          </a:lnRef>
+          <a:fillRef idx="3">
+            <a:schemeClr val="accent3"/>
+          </a:fillRef>
+          <a:effectRef idx="3">
+            <a:schemeClr val="accent3"/>
+          </a:effectRef>
+          <a:fontRef idx="minor">
+            <a:schemeClr val="lt1"/>
+          </a:fontRef>
+        </p:style>
+        <p:txBody>
+          <a:bodyPr rtlCol="0" anchor="ctr"/>
+          <a:lstStyle/>
+          <a:p>
+            <a:pPr algn="ctr"/>
+            <a:endParaRPr lang="pt-BR"/>
+          </a:p>
+        </p:txBody>
+      </p:sp>
+      <p:sp>
+        <p:nvSpPr>
+          <p:cNvPr id="13" name="CaixaDeTexto 12"/>
+          <p:cNvSpPr txBox="1"/>
+          <p:nvPr/>
+        </p:nvSpPr>
+        <p:spPr>
+          <a:xfrm>
+            <a:off x="3736255" y="5895140"/>
+            <a:ext cx="2146421" cy="369332"/>
+          </a:xfrm>
+          <a:prstGeom prst="rect">
+            <a:avLst/>
+          </a:prstGeom>
+          <a:noFill/>
+        </p:spPr>
+        <p:txBody>
+          <a:bodyPr wrap="none" rtlCol="0">
+            <a:spAutoFit/>
+          </a:bodyPr>
+          <a:lstStyle/>
+          <a:p>
+            <a:r>
+              <a:rPr lang="pt-BR" dirty="0" smtClean="0"/>
+              <a:t>Escopo do RASPUTIN</a:t>
+            </a:r>
+            <a:endParaRPr lang="pt-BR" dirty="0"/>
+          </a:p>
+        </p:txBody>
+      </p:sp>
+      <p:sp>
+        <p:nvSpPr>
+          <p:cNvPr id="18" name="Retângulo de cantos arredondados 8"/>
+          <p:cNvSpPr/>
+          <p:nvPr/>
+        </p:nvSpPr>
+        <p:spPr>
+          <a:xfrm>
+            <a:off x="3295649" y="4319579"/>
+            <a:ext cx="1692000" cy="360000"/>
+          </a:xfrm>
+          <a:prstGeom prst="rect">
+            <a:avLst/>
+          </a:prstGeom>
+        </p:spPr>
+        <p:style>
+          <a:lnRef idx="0">
+            <a:schemeClr val="accent1"/>
+          </a:lnRef>
+          <a:fillRef idx="3">
+            <a:schemeClr val="accent1"/>
+          </a:fillRef>
+          <a:effectRef idx="3">
+            <a:schemeClr val="accent1"/>
+          </a:effectRef>
+          <a:fontRef idx="minor">
+            <a:schemeClr val="lt1"/>
+          </a:fontRef>
+        </p:style>
+        <p:txBody>
+          <a:bodyPr rtlCol="0" anchor="ctr"/>
+          <a:lstStyle/>
+          <a:p>
+            <a:pPr algn="ctr"/>
+            <a:r>
+              <a:rPr lang="pt-BR" sz="1600" dirty="0" smtClean="0"/>
+              <a:t>Disco</a:t>
+            </a:r>
+            <a:endParaRPr lang="pt-BR" sz="1600" dirty="0"/>
           </a:p>
         </p:txBody>
       </p:sp>

--- a/trunk/PromotingSoftwareReuseWithRAS/Desenhos.pptx
+++ b/trunk/PromotingSoftwareReuseWithRAS/Desenhos.pptx
@@ -11,6 +11,7 @@
     <p:sldId id="258" r:id="rId5"/>
     <p:sldId id="259" r:id="rId6"/>
     <p:sldId id="261" r:id="rId7"/>
+    <p:sldId id="262" r:id="rId8"/>
   </p:sldIdLst>
   <p:sldSz cx="9144000" cy="6858000" type="screen4x3"/>
   <p:notesSz cx="6858000" cy="9144000"/>
@@ -2106,7 +2107,7 @@
   <dgm:whole/>
   <dgm:extLst>
     <a:ext uri="http://schemas.microsoft.com/office/drawing/2008/diagram">
-      <dsp:dataModelExt xmlns="" xmlns:dsp="http://schemas.microsoft.com/office/drawing/2008/diagram" relId="rId6" minVer="http://schemas.openxmlformats.org/drawingml/2006/diagram"/>
+      <dsp:dataModelExt xmlns:dsp="http://schemas.microsoft.com/office/drawing/2008/diagram" xmlns="" relId="rId6" minVer="http://schemas.openxmlformats.org/drawingml/2006/diagram"/>
     </a:ext>
   </dgm:extLst>
 </dgm:dataModel>
@@ -2356,7 +2357,7 @@
   <dgm:whole/>
   <dgm:extLst>
     <a:ext uri="http://schemas.microsoft.com/office/drawing/2008/diagram">
-      <dsp:dataModelExt xmlns="" xmlns:dsp="http://schemas.microsoft.com/office/drawing/2008/diagram" relId="rId11" minVer="http://schemas.openxmlformats.org/drawingml/2006/diagram"/>
+      <dsp:dataModelExt xmlns:dsp="http://schemas.microsoft.com/office/drawing/2008/diagram" xmlns="" relId="rId11" minVer="http://schemas.openxmlformats.org/drawingml/2006/diagram"/>
     </a:ext>
   </dgm:extLst>
 </dgm:dataModel>
@@ -5786,7 +5787,7 @@
             <a:fld id="{A7B42A40-B707-4983-807D-17011D490F87}" type="datetimeFigureOut">
               <a:rPr lang="pt-BR" smtClean="0"/>
               <a:pPr/>
-              <a:t>03/07/2009</a:t>
+              <a:t>05/07/2009</a:t>
             </a:fld>
             <a:endParaRPr lang="pt-BR"/>
           </a:p>
@@ -5829,7 +5830,7 @@
             <a:fld id="{E545FD62-2F7E-4843-A4AD-0212DEDA2940}" type="slidenum">
               <a:rPr lang="pt-BR" smtClean="0"/>
               <a:pPr/>
-              <a:t>‹#›</a:t>
+              <a:t>‹nº›</a:t>
             </a:fld>
             <a:endParaRPr lang="pt-BR"/>
           </a:p>
@@ -5953,7 +5954,7 @@
             <a:fld id="{A7B42A40-B707-4983-807D-17011D490F87}" type="datetimeFigureOut">
               <a:rPr lang="pt-BR" smtClean="0"/>
               <a:pPr/>
-              <a:t>03/07/2009</a:t>
+              <a:t>05/07/2009</a:t>
             </a:fld>
             <a:endParaRPr lang="pt-BR"/>
           </a:p>
@@ -5996,7 +5997,7 @@
             <a:fld id="{E545FD62-2F7E-4843-A4AD-0212DEDA2940}" type="slidenum">
               <a:rPr lang="pt-BR" smtClean="0"/>
               <a:pPr/>
-              <a:t>‹#›</a:t>
+              <a:t>‹nº›</a:t>
             </a:fld>
             <a:endParaRPr lang="pt-BR"/>
           </a:p>
@@ -6130,7 +6131,7 @@
             <a:fld id="{A7B42A40-B707-4983-807D-17011D490F87}" type="datetimeFigureOut">
               <a:rPr lang="pt-BR" smtClean="0"/>
               <a:pPr/>
-              <a:t>03/07/2009</a:t>
+              <a:t>05/07/2009</a:t>
             </a:fld>
             <a:endParaRPr lang="pt-BR"/>
           </a:p>
@@ -6173,7 +6174,7 @@
             <a:fld id="{E545FD62-2F7E-4843-A4AD-0212DEDA2940}" type="slidenum">
               <a:rPr lang="pt-BR" smtClean="0"/>
               <a:pPr/>
-              <a:t>‹#›</a:t>
+              <a:t>‹nº›</a:t>
             </a:fld>
             <a:endParaRPr lang="pt-BR"/>
           </a:p>
@@ -6297,7 +6298,7 @@
             <a:fld id="{A7B42A40-B707-4983-807D-17011D490F87}" type="datetimeFigureOut">
               <a:rPr lang="pt-BR" smtClean="0"/>
               <a:pPr/>
-              <a:t>03/07/2009</a:t>
+              <a:t>05/07/2009</a:t>
             </a:fld>
             <a:endParaRPr lang="pt-BR"/>
           </a:p>
@@ -6340,7 +6341,7 @@
             <a:fld id="{E545FD62-2F7E-4843-A4AD-0212DEDA2940}" type="slidenum">
               <a:rPr lang="pt-BR" smtClean="0"/>
               <a:pPr/>
-              <a:t>‹#›</a:t>
+              <a:t>‹nº›</a:t>
             </a:fld>
             <a:endParaRPr lang="pt-BR"/>
           </a:p>
@@ -6540,7 +6541,7 @@
             <a:fld id="{A7B42A40-B707-4983-807D-17011D490F87}" type="datetimeFigureOut">
               <a:rPr lang="pt-BR" smtClean="0"/>
               <a:pPr/>
-              <a:t>03/07/2009</a:t>
+              <a:t>05/07/2009</a:t>
             </a:fld>
             <a:endParaRPr lang="pt-BR"/>
           </a:p>
@@ -6583,7 +6584,7 @@
             <a:fld id="{E545FD62-2F7E-4843-A4AD-0212DEDA2940}" type="slidenum">
               <a:rPr lang="pt-BR" smtClean="0"/>
               <a:pPr/>
-              <a:t>‹#›</a:t>
+              <a:t>‹nº›</a:t>
             </a:fld>
             <a:endParaRPr lang="pt-BR"/>
           </a:p>
@@ -6825,7 +6826,7 @@
             <a:fld id="{A7B42A40-B707-4983-807D-17011D490F87}" type="datetimeFigureOut">
               <a:rPr lang="pt-BR" smtClean="0"/>
               <a:pPr/>
-              <a:t>03/07/2009</a:t>
+              <a:t>05/07/2009</a:t>
             </a:fld>
             <a:endParaRPr lang="pt-BR"/>
           </a:p>
@@ -6868,7 +6869,7 @@
             <a:fld id="{E545FD62-2F7E-4843-A4AD-0212DEDA2940}" type="slidenum">
               <a:rPr lang="pt-BR" smtClean="0"/>
               <a:pPr/>
-              <a:t>‹#›</a:t>
+              <a:t>‹nº›</a:t>
             </a:fld>
             <a:endParaRPr lang="pt-BR"/>
           </a:p>
@@ -7244,7 +7245,7 @@
             <a:fld id="{A7B42A40-B707-4983-807D-17011D490F87}" type="datetimeFigureOut">
               <a:rPr lang="pt-BR" smtClean="0"/>
               <a:pPr/>
-              <a:t>03/07/2009</a:t>
+              <a:t>05/07/2009</a:t>
             </a:fld>
             <a:endParaRPr lang="pt-BR"/>
           </a:p>
@@ -7287,7 +7288,7 @@
             <a:fld id="{E545FD62-2F7E-4843-A4AD-0212DEDA2940}" type="slidenum">
               <a:rPr lang="pt-BR" smtClean="0"/>
               <a:pPr/>
-              <a:t>‹#›</a:t>
+              <a:t>‹nº›</a:t>
             </a:fld>
             <a:endParaRPr lang="pt-BR"/>
           </a:p>
@@ -7359,7 +7360,7 @@
             <a:fld id="{A7B42A40-B707-4983-807D-17011D490F87}" type="datetimeFigureOut">
               <a:rPr lang="pt-BR" smtClean="0"/>
               <a:pPr/>
-              <a:t>03/07/2009</a:t>
+              <a:t>05/07/2009</a:t>
             </a:fld>
             <a:endParaRPr lang="pt-BR"/>
           </a:p>
@@ -7402,7 +7403,7 @@
             <a:fld id="{E545FD62-2F7E-4843-A4AD-0212DEDA2940}" type="slidenum">
               <a:rPr lang="pt-BR" smtClean="0"/>
               <a:pPr/>
-              <a:t>‹#›</a:t>
+              <a:t>‹nº›</a:t>
             </a:fld>
             <a:endParaRPr lang="pt-BR"/>
           </a:p>
@@ -7451,7 +7452,7 @@
             <a:fld id="{A7B42A40-B707-4983-807D-17011D490F87}" type="datetimeFigureOut">
               <a:rPr lang="pt-BR" smtClean="0"/>
               <a:pPr/>
-              <a:t>03/07/2009</a:t>
+              <a:t>05/07/2009</a:t>
             </a:fld>
             <a:endParaRPr lang="pt-BR"/>
           </a:p>
@@ -7494,7 +7495,7 @@
             <a:fld id="{E545FD62-2F7E-4843-A4AD-0212DEDA2940}" type="slidenum">
               <a:rPr lang="pt-BR" smtClean="0"/>
               <a:pPr/>
-              <a:t>‹#›</a:t>
+              <a:t>‹nº›</a:t>
             </a:fld>
             <a:endParaRPr lang="pt-BR"/>
           </a:p>
@@ -7725,7 +7726,7 @@
             <a:fld id="{A7B42A40-B707-4983-807D-17011D490F87}" type="datetimeFigureOut">
               <a:rPr lang="pt-BR" smtClean="0"/>
               <a:pPr/>
-              <a:t>03/07/2009</a:t>
+              <a:t>05/07/2009</a:t>
             </a:fld>
             <a:endParaRPr lang="pt-BR"/>
           </a:p>
@@ -7768,7 +7769,7 @@
             <a:fld id="{E545FD62-2F7E-4843-A4AD-0212DEDA2940}" type="slidenum">
               <a:rPr lang="pt-BR" smtClean="0"/>
               <a:pPr/>
-              <a:t>‹#›</a:t>
+              <a:t>‹nº›</a:t>
             </a:fld>
             <a:endParaRPr lang="pt-BR"/>
           </a:p>
@@ -7975,7 +7976,7 @@
             <a:fld id="{A7B42A40-B707-4983-807D-17011D490F87}" type="datetimeFigureOut">
               <a:rPr lang="pt-BR" smtClean="0"/>
               <a:pPr/>
-              <a:t>03/07/2009</a:t>
+              <a:t>05/07/2009</a:t>
             </a:fld>
             <a:endParaRPr lang="pt-BR"/>
           </a:p>
@@ -8018,7 +8019,7 @@
             <a:fld id="{E545FD62-2F7E-4843-A4AD-0212DEDA2940}" type="slidenum">
               <a:rPr lang="pt-BR" smtClean="0"/>
               <a:pPr/>
-              <a:t>‹#›</a:t>
+              <a:t>‹nº›</a:t>
             </a:fld>
             <a:endParaRPr lang="pt-BR"/>
           </a:p>
@@ -8185,7 +8186,7 @@
             <a:fld id="{A7B42A40-B707-4983-807D-17011D490F87}" type="datetimeFigureOut">
               <a:rPr lang="pt-BR" smtClean="0"/>
               <a:pPr/>
-              <a:t>03/07/2009</a:t>
+              <a:t>05/07/2009</a:t>
             </a:fld>
             <a:endParaRPr lang="pt-BR"/>
           </a:p>
@@ -8264,7 +8265,7 @@
             <a:fld id="{E545FD62-2F7E-4843-A4AD-0212DEDA2940}" type="slidenum">
               <a:rPr lang="pt-BR" smtClean="0"/>
               <a:pPr/>
-              <a:t>‹#›</a:t>
+              <a:t>‹nº›</a:t>
             </a:fld>
             <a:endParaRPr lang="pt-BR"/>
           </a:p>
@@ -8684,7 +8685,7 @@
         </p:xfrm>
         <a:graphic>
           <a:graphicData uri="http://schemas.openxmlformats.org/drawingml/2006/diagram">
-            <dgm:relIds xmlns:dgm="http://schemas.openxmlformats.org/drawingml/2006/diagram" xmlns:r="http://schemas.openxmlformats.org/officeDocument/2006/relationships" r:dm="rId6" r:lo="rId7" r:qs="rId8" r:cs="rId9"/>
+            <dgm:relIds xmlns:dgm="http://schemas.openxmlformats.org/drawingml/2006/diagram" xmlns:r="http://schemas.openxmlformats.org/officeDocument/2006/relationships" r:dm="rId7" r:lo="rId8" r:qs="rId9" r:cs="rId10"/>
           </a:graphicData>
         </a:graphic>
       </p:graphicFrame>
@@ -11407,6 +11408,413 @@
 </p:sld>
 </file>
 
+<file path=ppt/slides/slide7.xml><?xml version="1.0" encoding="utf-8"?>
+<p:sld xmlns:a="http://schemas.openxmlformats.org/drawingml/2006/main" xmlns:r="http://schemas.openxmlformats.org/officeDocument/2006/relationships" xmlns:p="http://schemas.openxmlformats.org/presentationml/2006/main">
+  <p:cSld>
+    <p:spTree>
+      <p:nvGrpSpPr>
+        <p:cNvPr id="1" name=""/>
+        <p:cNvGrpSpPr/>
+        <p:nvPr/>
+      </p:nvGrpSpPr>
+      <p:grpSpPr>
+        <a:xfrm>
+          <a:off x="0" y="0"/>
+          <a:ext cx="0" cy="0"/>
+          <a:chOff x="0" y="0"/>
+          <a:chExt cx="0" cy="0"/>
+        </a:xfrm>
+      </p:grpSpPr>
+      <p:sp>
+        <p:nvSpPr>
+          <p:cNvPr id="17" name="Título 16"/>
+          <p:cNvSpPr>
+            <a:spLocks noGrp="1"/>
+          </p:cNvSpPr>
+          <p:nvPr>
+            <p:ph type="title"/>
+          </p:nvPr>
+        </p:nvSpPr>
+        <p:spPr/>
+        <p:txBody>
+          <a:bodyPr/>
+          <a:lstStyle/>
+          <a:p>
+            <a:endParaRPr lang="pt-BR"/>
+          </a:p>
+        </p:txBody>
+      </p:sp>
+      <p:sp>
+        <p:nvSpPr>
+          <p:cNvPr id="18" name="Espaço Reservado para Conteúdo 17"/>
+          <p:cNvSpPr>
+            <a:spLocks noGrp="1"/>
+          </p:cNvSpPr>
+          <p:nvPr>
+            <p:ph sz="half" idx="1"/>
+          </p:nvPr>
+        </p:nvSpPr>
+        <p:spPr/>
+        <p:txBody>
+          <a:bodyPr/>
+          <a:lstStyle/>
+          <a:p>
+            <a:endParaRPr lang="pt-BR" dirty="0"/>
+          </a:p>
+        </p:txBody>
+      </p:sp>
+      <p:sp>
+        <p:nvSpPr>
+          <p:cNvPr id="19" name="Espaço Reservado para Conteúdo 18"/>
+          <p:cNvSpPr>
+            <a:spLocks noGrp="1"/>
+          </p:cNvSpPr>
+          <p:nvPr>
+            <p:ph sz="half" idx="2"/>
+          </p:nvPr>
+        </p:nvSpPr>
+        <p:spPr/>
+        <p:txBody>
+          <a:bodyPr/>
+          <a:lstStyle/>
+          <a:p>
+            <a:endParaRPr lang="pt-BR"/>
+          </a:p>
+        </p:txBody>
+      </p:sp>
+      <p:grpSp>
+        <p:nvGrpSpPr>
+          <p:cNvPr id="22" name="Grupo 21"/>
+          <p:cNvGrpSpPr/>
+          <p:nvPr/>
+        </p:nvGrpSpPr>
+        <p:grpSpPr>
+          <a:xfrm>
+            <a:off x="476250" y="1992105"/>
+            <a:ext cx="4000500" cy="3714033"/>
+            <a:chOff x="476250" y="1992105"/>
+            <a:chExt cx="4000500" cy="3714033"/>
+          </a:xfrm>
+        </p:grpSpPr>
+        <p:grpSp>
+          <p:nvGrpSpPr>
+            <p:cNvPr id="20" name="Grupo 19"/>
+            <p:cNvGrpSpPr/>
+            <p:nvPr/>
+          </p:nvGrpSpPr>
+          <p:grpSpPr>
+            <a:xfrm>
+              <a:off x="820669" y="1992105"/>
+              <a:ext cx="3330713" cy="3714033"/>
+              <a:chOff x="1104128" y="1620630"/>
+              <a:chExt cx="3330713" cy="3714033"/>
+            </a:xfrm>
+          </p:grpSpPr>
+          <p:sp>
+            <p:nvSpPr>
+              <p:cNvPr id="9" name="Seta para baixo 8"/>
+              <p:cNvSpPr/>
+              <p:nvPr/>
+            </p:nvSpPr>
+            <p:spPr>
+              <a:xfrm rot="2693578">
+                <a:off x="1104128" y="3128857"/>
+                <a:ext cx="1440000" cy="2205806"/>
+              </a:xfrm>
+              <a:prstGeom prst="downArrow">
+                <a:avLst>
+                  <a:gd name="adj1" fmla="val 29427"/>
+                  <a:gd name="adj2" fmla="val 50000"/>
+                </a:avLst>
+              </a:prstGeom>
+            </p:spPr>
+            <p:style>
+              <a:lnRef idx="2">
+                <a:schemeClr val="accent1">
+                  <a:shade val="50000"/>
+                </a:schemeClr>
+              </a:lnRef>
+              <a:fillRef idx="1">
+                <a:schemeClr val="accent1"/>
+              </a:fillRef>
+              <a:effectRef idx="0">
+                <a:schemeClr val="accent1"/>
+              </a:effectRef>
+              <a:fontRef idx="minor">
+                <a:schemeClr val="lt1"/>
+              </a:fontRef>
+            </p:style>
+            <p:txBody>
+              <a:bodyPr rtlCol="0" anchor="ctr"/>
+              <a:lstStyle/>
+              <a:p>
+                <a:pPr algn="ctr"/>
+                <a:endParaRPr lang="pt-BR"/>
+              </a:p>
+            </p:txBody>
+          </p:sp>
+          <p:sp>
+            <p:nvSpPr>
+              <p:cNvPr id="15" name="Seta para baixo 14"/>
+              <p:cNvSpPr/>
+              <p:nvPr/>
+            </p:nvSpPr>
+            <p:spPr>
+              <a:xfrm rot="16200000">
+                <a:off x="2626133" y="2526029"/>
+                <a:ext cx="1440000" cy="2177416"/>
+              </a:xfrm>
+              <a:prstGeom prst="downArrow">
+                <a:avLst>
+                  <a:gd name="adj1" fmla="val 29427"/>
+                  <a:gd name="adj2" fmla="val 50000"/>
+                </a:avLst>
+              </a:prstGeom>
+            </p:spPr>
+            <p:style>
+              <a:lnRef idx="2">
+                <a:schemeClr val="accent1">
+                  <a:shade val="50000"/>
+                </a:schemeClr>
+              </a:lnRef>
+              <a:fillRef idx="1">
+                <a:schemeClr val="accent1"/>
+              </a:fillRef>
+              <a:effectRef idx="0">
+                <a:schemeClr val="accent1"/>
+              </a:effectRef>
+              <a:fontRef idx="minor">
+                <a:schemeClr val="lt1"/>
+              </a:fontRef>
+            </p:style>
+            <p:txBody>
+              <a:bodyPr rtlCol="0" anchor="ctr"/>
+              <a:lstStyle/>
+              <a:p>
+                <a:pPr algn="ctr"/>
+                <a:endParaRPr lang="pt-BR"/>
+              </a:p>
+            </p:txBody>
+          </p:sp>
+          <p:sp>
+            <p:nvSpPr>
+              <p:cNvPr id="16" name="Seta para baixo 15"/>
+              <p:cNvSpPr/>
+              <p:nvPr/>
+            </p:nvSpPr>
+            <p:spPr>
+              <a:xfrm rot="10800000">
+                <a:off x="1751737" y="1620630"/>
+                <a:ext cx="1440000" cy="2208420"/>
+              </a:xfrm>
+              <a:prstGeom prst="downArrow">
+                <a:avLst>
+                  <a:gd name="adj1" fmla="val 29427"/>
+                  <a:gd name="adj2" fmla="val 50000"/>
+                </a:avLst>
+              </a:prstGeom>
+            </p:spPr>
+            <p:style>
+              <a:lnRef idx="2">
+                <a:schemeClr val="accent1">
+                  <a:shade val="50000"/>
+                </a:schemeClr>
+              </a:lnRef>
+              <a:fillRef idx="1">
+                <a:schemeClr val="accent1"/>
+              </a:fillRef>
+              <a:effectRef idx="0">
+                <a:schemeClr val="accent1"/>
+              </a:effectRef>
+              <a:fontRef idx="minor">
+                <a:schemeClr val="lt1"/>
+              </a:fontRef>
+            </p:style>
+            <p:txBody>
+              <a:bodyPr rtlCol="0" anchor="ctr"/>
+              <a:lstStyle/>
+              <a:p>
+                <a:pPr algn="ctr"/>
+                <a:endParaRPr lang="pt-BR"/>
+              </a:p>
+            </p:txBody>
+          </p:sp>
+          <p:sp>
+            <p:nvSpPr>
+              <p:cNvPr id="10" name="Elipse 9"/>
+              <p:cNvSpPr/>
+              <p:nvPr/>
+            </p:nvSpPr>
+            <p:spPr>
+              <a:xfrm>
+                <a:off x="2116840" y="3281257"/>
+                <a:ext cx="709794" cy="666960"/>
+              </a:xfrm>
+              <a:prstGeom prst="ellipse">
+                <a:avLst/>
+              </a:prstGeom>
+            </p:spPr>
+            <p:style>
+              <a:lnRef idx="2">
+                <a:schemeClr val="accent1">
+                  <a:shade val="50000"/>
+                </a:schemeClr>
+              </a:lnRef>
+              <a:fillRef idx="1">
+                <a:schemeClr val="accent1"/>
+              </a:fillRef>
+              <a:effectRef idx="0">
+                <a:schemeClr val="accent1"/>
+              </a:effectRef>
+              <a:fontRef idx="minor">
+                <a:schemeClr val="lt1"/>
+              </a:fontRef>
+            </p:style>
+            <p:txBody>
+              <a:bodyPr rtlCol="0" anchor="ctr"/>
+              <a:lstStyle/>
+              <a:p>
+                <a:pPr algn="ctr"/>
+                <a:endParaRPr lang="pt-BR"/>
+              </a:p>
+            </p:txBody>
+          </p:sp>
+        </p:grpSp>
+        <p:sp>
+          <p:nvSpPr>
+            <p:cNvPr id="12" name="Retângulo de cantos arredondados 11"/>
+            <p:cNvSpPr/>
+            <p:nvPr/>
+          </p:nvSpPr>
+          <p:spPr>
+            <a:xfrm>
+              <a:off x="2943225" y="4000500"/>
+              <a:ext cx="1533525" cy="342900"/>
+            </a:xfrm>
+            <a:prstGeom prst="roundRect">
+              <a:avLst/>
+            </a:prstGeom>
+          </p:spPr>
+          <p:style>
+            <a:lnRef idx="2">
+              <a:schemeClr val="accent6"/>
+            </a:lnRef>
+            <a:fillRef idx="1">
+              <a:schemeClr val="lt1"/>
+            </a:fillRef>
+            <a:effectRef idx="0">
+              <a:schemeClr val="accent6"/>
+            </a:effectRef>
+            <a:fontRef idx="minor">
+              <a:schemeClr val="dk1"/>
+            </a:fontRef>
+          </p:style>
+          <p:txBody>
+            <a:bodyPr rtlCol="0" anchor="ctr"/>
+            <a:lstStyle/>
+            <a:p>
+              <a:pPr algn="ctr"/>
+              <a:r>
+                <a:rPr lang="pt-BR" dirty="0" smtClean="0"/>
+                <a:t>Variabilidade</a:t>
+              </a:r>
+              <a:endParaRPr lang="pt-BR" dirty="0"/>
+            </a:p>
+          </p:txBody>
+        </p:sp>
+        <p:sp>
+          <p:nvSpPr>
+            <p:cNvPr id="11" name="Retângulo de cantos arredondados 10"/>
+            <p:cNvSpPr/>
+            <p:nvPr/>
+          </p:nvSpPr>
+          <p:spPr>
+            <a:xfrm>
+              <a:off x="476250" y="4953000"/>
+              <a:ext cx="1390650" cy="342900"/>
+            </a:xfrm>
+            <a:prstGeom prst="roundRect">
+              <a:avLst/>
+            </a:prstGeom>
+          </p:spPr>
+          <p:style>
+            <a:lnRef idx="2">
+              <a:schemeClr val="accent6"/>
+            </a:lnRef>
+            <a:fillRef idx="1">
+              <a:schemeClr val="lt1"/>
+            </a:fillRef>
+            <a:effectRef idx="0">
+              <a:schemeClr val="accent6"/>
+            </a:effectRef>
+            <a:fontRef idx="minor">
+              <a:schemeClr val="dk1"/>
+            </a:fontRef>
+          </p:style>
+          <p:txBody>
+            <a:bodyPr rtlCol="0" anchor="ctr"/>
+            <a:lstStyle/>
+            <a:p>
+              <a:pPr algn="ctr"/>
+              <a:r>
+                <a:rPr lang="pt-BR" dirty="0" smtClean="0"/>
+                <a:t>Articulação</a:t>
+              </a:r>
+              <a:endParaRPr lang="pt-BR" dirty="0"/>
+            </a:p>
+          </p:txBody>
+        </p:sp>
+        <p:sp>
+          <p:nvSpPr>
+            <p:cNvPr id="13" name="Retângulo de cantos arredondados 12"/>
+            <p:cNvSpPr/>
+            <p:nvPr/>
+          </p:nvSpPr>
+          <p:spPr>
+            <a:xfrm>
+              <a:off x="2190751" y="2171700"/>
+              <a:ext cx="1733550" cy="342900"/>
+            </a:xfrm>
+            <a:prstGeom prst="roundRect">
+              <a:avLst/>
+            </a:prstGeom>
+          </p:spPr>
+          <p:style>
+            <a:lnRef idx="2">
+              <a:schemeClr val="accent6"/>
+            </a:lnRef>
+            <a:fillRef idx="1">
+              <a:schemeClr val="lt1"/>
+            </a:fillRef>
+            <a:effectRef idx="0">
+              <a:schemeClr val="accent6"/>
+            </a:effectRef>
+            <a:fontRef idx="minor">
+              <a:schemeClr val="dk1"/>
+            </a:fontRef>
+          </p:style>
+          <p:txBody>
+            <a:bodyPr rtlCol="0" anchor="ctr"/>
+            <a:lstStyle/>
+            <a:p>
+              <a:pPr algn="ctr"/>
+              <a:r>
+                <a:rPr lang="pt-BR" dirty="0" smtClean="0"/>
+                <a:t>Granularidade</a:t>
+              </a:r>
+              <a:endParaRPr lang="pt-BR" dirty="0"/>
+            </a:p>
+          </p:txBody>
+        </p:sp>
+      </p:grpSp>
+    </p:spTree>
+  </p:cSld>
+  <p:clrMapOvr>
+    <a:masterClrMapping/>
+  </p:clrMapOvr>
+</p:sld>
+</file>
+
 <file path=ppt/theme/theme1.xml><?xml version="1.0" encoding="utf-8"?>
 <a:theme xmlns:a="http://schemas.openxmlformats.org/drawingml/2006/main" name="Tema do Office">
   <a:themeElements>
